--- a/移动端开发分享.pptx
+++ b/移动端开发分享.pptx
@@ -243,7 +243,7 @@
             <a:fld id="{2353A075-29DF-4CAE-8BA7-CDA0ED456C88}" type="datetimeFigureOut">
               <a:rPr lang="zh-CN" altLang="en-US" smtClean="0"/>
               <a:pPr/>
-              <a:t>2019/10/9</a:t>
+              <a:t>2019/10/15</a:t>
             </a:fld>
             <a:endParaRPr lang="zh-CN" altLang="en-US"/>
           </a:p>
@@ -410,7 +410,7 @@
             <a:fld id="{6A2B73EA-EE91-4E33-A9C1-8BF5DD7139A2}" type="datetimeFigureOut">
               <a:rPr lang="zh-CN" altLang="en-US" smtClean="0"/>
               <a:pPr/>
-              <a:t>2019/10/9</a:t>
+              <a:t>2019/10/15</a:t>
             </a:fld>
             <a:endParaRPr lang="zh-CN" altLang="en-US"/>
           </a:p>
@@ -1876,7 +1876,7 @@
             <a:fld id="{530820CF-B880-4189-942D-D702A7CBA730}" type="datetimeFigureOut">
               <a:rPr lang="zh-CN" altLang="en-US" smtClean="0"/>
               <a:pPr/>
-              <a:t>2019/10/9</a:t>
+              <a:t>2019/10/15</a:t>
             </a:fld>
             <a:endParaRPr lang="zh-CN" altLang="en-US"/>
           </a:p>
@@ -1980,7 +1980,7 @@
             <a:fld id="{530820CF-B880-4189-942D-D702A7CBA730}" type="datetimeFigureOut">
               <a:rPr lang="zh-CN" altLang="en-US" smtClean="0"/>
               <a:pPr/>
-              <a:t>2019/10/9</a:t>
+              <a:t>2019/10/15</a:t>
             </a:fld>
             <a:endParaRPr lang="zh-CN" altLang="en-US"/>
           </a:p>
@@ -2209,7 +2209,7 @@
             <a:fld id="{530820CF-B880-4189-942D-D702A7CBA730}" type="datetimeFigureOut">
               <a:rPr lang="zh-CN" altLang="en-US" smtClean="0"/>
               <a:pPr/>
-              <a:t>2019/10/9</a:t>
+              <a:t>2019/10/15</a:t>
             </a:fld>
             <a:endParaRPr lang="zh-CN" altLang="en-US"/>
           </a:p>
@@ -3311,7 +3311,7 @@
           <p:cNvPr id="6" name="图片 5">
             <a:extLst>
               <a:ext uri="{FF2B5EF4-FFF2-40B4-BE49-F238E27FC236}">
-                <a16:creationId xmlns:a16="http://schemas.microsoft.com/office/drawing/2014/main" xmlns="" id="{4D763E8D-455D-463E-A0D0-030C158C6293}"/>
+                <a16:creationId xmlns="" xmlns:a16="http://schemas.microsoft.com/office/drawing/2014/main" id="{4D763E8D-455D-463E-A0D0-030C158C6293}"/>
               </a:ext>
             </a:extLst>
           </p:cNvPr>
@@ -3880,17 +3880,10 @@
               <a:t>UI</a:t>
             </a:r>
             <a:r>
-              <a:rPr lang="zh-CN" altLang="en-US" sz="1200" dirty="0"/>
-              <a:t>组件，不再受制于</a:t>
-            </a:r>
-            <a:r>
-              <a:rPr lang="en-US" altLang="zh-CN" sz="1200" dirty="0"/>
-              <a:t>OEM</a:t>
-            </a:r>
-            <a:r>
-              <a:rPr lang="zh-CN" altLang="en-US" sz="1200" dirty="0"/>
-              <a:t>控件的限制；</a:t>
-            </a:r>
+              <a:rPr lang="zh-CN" altLang="en-US" sz="1200" dirty="0" smtClean="0"/>
+              <a:t>组件；</a:t>
+            </a:r>
+            <a:endParaRPr lang="zh-CN" altLang="en-US" sz="1200" dirty="0"/>
           </a:p>
           <a:p>
             <a:r>
@@ -3911,7 +3904,15 @@
             </a:r>
             <a:r>
               <a:rPr lang="zh-CN" altLang="en-US" sz="1200" dirty="0"/>
-              <a:t>代码运行 时以达到跨平台的高质量用户体验。</a:t>
+              <a:t>代码</a:t>
+            </a:r>
+            <a:r>
+              <a:rPr lang="zh-CN" altLang="en-US" sz="1200" dirty="0" smtClean="0"/>
+              <a:t>运行以</a:t>
+            </a:r>
+            <a:r>
+              <a:rPr lang="zh-CN" altLang="en-US" sz="1200" dirty="0"/>
+              <a:t>达到跨平台的高质量用户体验。</a:t>
             </a:r>
           </a:p>
           <a:p>
@@ -4772,7 +4773,7 @@
           <p:cNvPr id="20" name="Freeform 12">
             <a:extLst>
               <a:ext uri="{FF2B5EF4-FFF2-40B4-BE49-F238E27FC236}">
-                <a16:creationId xmlns:a16="http://schemas.microsoft.com/office/drawing/2014/main" xmlns="" id="{59FD55C7-4BB7-4857-81C9-E6242BFC6CBA}"/>
+                <a16:creationId xmlns="" xmlns:a16="http://schemas.microsoft.com/office/drawing/2014/main" id="{59FD55C7-4BB7-4857-81C9-E6242BFC6CBA}"/>
               </a:ext>
             </a:extLst>
           </p:cNvPr>
@@ -4872,7 +4873,7 @@
           <p:cNvPr id="24" name="AutoShape 3">
             <a:extLst>
               <a:ext uri="{FF2B5EF4-FFF2-40B4-BE49-F238E27FC236}">
-                <a16:creationId xmlns:a16="http://schemas.microsoft.com/office/drawing/2014/main" xmlns="" id="{13D7405A-49B4-4877-B69E-B7DE207175B1}"/>
+                <a16:creationId xmlns="" xmlns:a16="http://schemas.microsoft.com/office/drawing/2014/main" id="{13D7405A-49B4-4877-B69E-B7DE207175B1}"/>
               </a:ext>
             </a:extLst>
           </p:cNvPr>
@@ -5350,7 +5351,7 @@
           <p:cNvPr id="31" name="Title 1">
             <a:extLst>
               <a:ext uri="{FF2B5EF4-FFF2-40B4-BE49-F238E27FC236}">
-                <a16:creationId xmlns:a16="http://schemas.microsoft.com/office/drawing/2014/main" xmlns="" id="{FECF44E1-4997-4E58-954A-8198FB0DFE73}"/>
+                <a16:creationId xmlns="" xmlns:a16="http://schemas.microsoft.com/office/drawing/2014/main" id="{FECF44E1-4997-4E58-954A-8198FB0DFE73}"/>
               </a:ext>
             </a:extLst>
           </p:cNvPr>
@@ -5657,7 +5658,7 @@
           <p:cNvPr id="31" name="Title 1">
             <a:extLst>
               <a:ext uri="{FF2B5EF4-FFF2-40B4-BE49-F238E27FC236}">
-                <a16:creationId xmlns:a16="http://schemas.microsoft.com/office/drawing/2014/main" xmlns="" id="{FECF44E1-4997-4E58-954A-8198FB0DFE73}"/>
+                <a16:creationId xmlns="" xmlns:a16="http://schemas.microsoft.com/office/drawing/2014/main" id="{FECF44E1-4997-4E58-954A-8198FB0DFE73}"/>
               </a:ext>
             </a:extLst>
           </p:cNvPr>
@@ -5757,22 +5758,24 @@
           <a:p>
             <a:r>
               <a:rPr lang="zh-CN" altLang="en-US" sz="1200" dirty="0" smtClean="0"/>
-              <a:t>看使用文档</a:t>
+              <a:t>看</a:t>
+            </a:r>
+            <a:r>
+              <a:rPr lang="zh-CN" altLang="en-US" sz="1200" dirty="0"/>
+              <a:t>说明</a:t>
             </a:r>
             <a:r>
               <a:rPr lang="zh-CN" altLang="en-US" sz="1200" dirty="0" smtClean="0"/>
-              <a:t>。</a:t>
+              <a:t>文档。</a:t>
             </a:r>
             <a:endParaRPr lang="en-US" altLang="zh-CN" sz="1200" dirty="0" smtClean="0"/>
           </a:p>
           <a:p>
             <a:r>
-              <a:rPr lang="en-US" altLang="zh-CN" sz="1200" dirty="0">
-                <a:hlinkClick r:id="rId2"/>
-              </a:rPr>
-              <a:t>https://github.com/fenglipk/react-native-doc</a:t>
-            </a:r>
-            <a:endParaRPr lang="zh-CN" altLang="en-US" sz="1200" dirty="0"/>
+              <a:rPr lang="en-US" altLang="zh-CN" sz="1200" dirty="0"/>
+              <a:t>https://github.com/fenglipk/react-native-demo.git</a:t>
+            </a:r>
+            <a:endParaRPr lang="en-US" altLang="zh-CN" sz="1200" dirty="0" smtClean="0"/>
           </a:p>
         </p:txBody>
       </p:sp>
@@ -6361,7 +6364,7 @@
           <p:cNvPr id="18" name="图片 17">
             <a:extLst>
               <a:ext uri="{FF2B5EF4-FFF2-40B4-BE49-F238E27FC236}">
-                <a16:creationId xmlns:a16="http://schemas.microsoft.com/office/drawing/2014/main" xmlns="" id="{F2DC9D7E-D7CA-436A-A2AC-4142D66FE9CE}"/>
+                <a16:creationId xmlns="" xmlns:a16="http://schemas.microsoft.com/office/drawing/2014/main" id="{F2DC9D7E-D7CA-436A-A2AC-4142D66FE9CE}"/>
               </a:ext>
             </a:extLst>
           </p:cNvPr>
@@ -6737,7 +6740,7 @@
         </p:nvSpPr>
         <p:spPr>
           <a:xfrm>
-            <a:off x="467544" y="411510"/>
+            <a:off x="431540" y="393361"/>
             <a:ext cx="8280920" cy="4320480"/>
           </a:xfrm>
           <a:prstGeom prst="rect">
@@ -6785,7 +6788,7 @@
           <p:cNvPr id="73" name="Group 3">
             <a:extLst>
               <a:ext uri="{FF2B5EF4-FFF2-40B4-BE49-F238E27FC236}">
-                <a16:creationId xmlns:a16="http://schemas.microsoft.com/office/drawing/2014/main" xmlns="" id="{E10B7770-8876-4A38-AD20-0DD26B1AD6B5}"/>
+                <a16:creationId xmlns="" xmlns:a16="http://schemas.microsoft.com/office/drawing/2014/main" id="{E10B7770-8876-4A38-AD20-0DD26B1AD6B5}"/>
               </a:ext>
             </a:extLst>
           </p:cNvPr>
@@ -6794,7 +6797,7 @@
         </p:nvGrpSpPr>
         <p:grpSpPr>
           <a:xfrm>
-            <a:off x="4572000" y="1651101"/>
+            <a:off x="4572000" y="2092999"/>
             <a:ext cx="3564398" cy="531908"/>
             <a:chOff x="2891644" y="2187048"/>
             <a:chExt cx="4752530" cy="709210"/>
@@ -6805,7 +6808,7 @@
             <p:cNvPr id="74" name="Rectangle: Rounded Corners 4">
               <a:extLst>
                 <a:ext uri="{FF2B5EF4-FFF2-40B4-BE49-F238E27FC236}">
-                  <a16:creationId xmlns:a16="http://schemas.microsoft.com/office/drawing/2014/main" xmlns="" id="{D3CBECCD-B8E3-4623-93C8-5462801FD353}"/>
+                  <a16:creationId xmlns="" xmlns:a16="http://schemas.microsoft.com/office/drawing/2014/main" id="{D3CBECCD-B8E3-4623-93C8-5462801FD353}"/>
                 </a:ext>
               </a:extLst>
             </p:cNvPr>
@@ -6861,7 +6864,7 @@
             <p:cNvPr id="76" name="TextBox 6">
               <a:extLst>
                 <a:ext uri="{FF2B5EF4-FFF2-40B4-BE49-F238E27FC236}">
-                  <a16:creationId xmlns:a16="http://schemas.microsoft.com/office/drawing/2014/main" xmlns="" id="{2ADBFD5E-CA01-476B-8790-9E087D5A3B72}"/>
+                  <a16:creationId xmlns="" xmlns:a16="http://schemas.microsoft.com/office/drawing/2014/main" id="{2ADBFD5E-CA01-476B-8790-9E087D5A3B72}"/>
                 </a:ext>
               </a:extLst>
             </p:cNvPr>
@@ -6910,7 +6913,7 @@
           <p:cNvPr id="78" name="Group 8">
             <a:extLst>
               <a:ext uri="{FF2B5EF4-FFF2-40B4-BE49-F238E27FC236}">
-                <a16:creationId xmlns:a16="http://schemas.microsoft.com/office/drawing/2014/main" xmlns="" id="{55173EEF-ECF7-406A-BEFA-3CE5320BBAB1}"/>
+                <a16:creationId xmlns="" xmlns:a16="http://schemas.microsoft.com/office/drawing/2014/main" id="{55173EEF-ECF7-406A-BEFA-3CE5320BBAB1}"/>
               </a:ext>
             </a:extLst>
           </p:cNvPr>
@@ -6919,7 +6922,7 @@
         </p:nvGrpSpPr>
         <p:grpSpPr>
           <a:xfrm>
-            <a:off x="4572000" y="2318024"/>
+            <a:off x="4572000" y="2759922"/>
             <a:ext cx="3564398" cy="531908"/>
             <a:chOff x="2891644" y="2990233"/>
             <a:chExt cx="4752530" cy="709210"/>
@@ -6930,7 +6933,7 @@
             <p:cNvPr id="79" name="Rectangle: Rounded Corners 9">
               <a:extLst>
                 <a:ext uri="{FF2B5EF4-FFF2-40B4-BE49-F238E27FC236}">
-                  <a16:creationId xmlns:a16="http://schemas.microsoft.com/office/drawing/2014/main" xmlns="" id="{842C7EAE-3771-48D9-BA58-EE138F8A4BDF}"/>
+                  <a16:creationId xmlns="" xmlns:a16="http://schemas.microsoft.com/office/drawing/2014/main" id="{842C7EAE-3771-48D9-BA58-EE138F8A4BDF}"/>
                 </a:ext>
               </a:extLst>
             </p:cNvPr>
@@ -6986,7 +6989,7 @@
             <p:cNvPr id="81" name="TextBox 11">
               <a:extLst>
                 <a:ext uri="{FF2B5EF4-FFF2-40B4-BE49-F238E27FC236}">
-                  <a16:creationId xmlns:a16="http://schemas.microsoft.com/office/drawing/2014/main" xmlns="" id="{A2E9BF74-EC42-4A67-BB9D-7C700A0FBAAF}"/>
+                  <a16:creationId xmlns="" xmlns:a16="http://schemas.microsoft.com/office/drawing/2014/main" id="{A2E9BF74-EC42-4A67-BB9D-7C700A0FBAAF}"/>
                 </a:ext>
               </a:extLst>
             </p:cNvPr>
@@ -7040,137 +7043,12 @@
           </p:txBody>
         </p:sp>
       </p:grpSp>
-      <p:grpSp>
-        <p:nvGrpSpPr>
-          <p:cNvPr id="83" name="Group 13">
-            <a:extLst>
-              <a:ext uri="{FF2B5EF4-FFF2-40B4-BE49-F238E27FC236}">
-                <a16:creationId xmlns:a16="http://schemas.microsoft.com/office/drawing/2014/main" xmlns="" id="{A284B178-BC9C-479D-BF67-A48D37DAF63B}"/>
-              </a:ext>
-            </a:extLst>
-          </p:cNvPr>
-          <p:cNvGrpSpPr/>
-          <p:nvPr/>
-        </p:nvGrpSpPr>
-        <p:grpSpPr>
-          <a:xfrm>
-            <a:off x="4572000" y="2975946"/>
-            <a:ext cx="3564398" cy="531908"/>
-            <a:chOff x="2891644" y="3793418"/>
-            <a:chExt cx="4752530" cy="709210"/>
-          </a:xfrm>
-        </p:grpSpPr>
-        <p:sp>
-          <p:nvSpPr>
-            <p:cNvPr id="84" name="Rectangle: Rounded Corners 14">
-              <a:extLst>
-                <a:ext uri="{FF2B5EF4-FFF2-40B4-BE49-F238E27FC236}">
-                  <a16:creationId xmlns:a16="http://schemas.microsoft.com/office/drawing/2014/main" xmlns="" id="{560A9E65-436C-4FB2-84D7-28F0C9E5C237}"/>
-                </a:ext>
-              </a:extLst>
-            </p:cNvPr>
-            <p:cNvSpPr/>
-            <p:nvPr/>
-          </p:nvSpPr>
-          <p:spPr bwMode="auto">
-            <a:xfrm>
-              <a:off x="2891644" y="3793418"/>
-              <a:ext cx="709211" cy="709210"/>
-            </a:xfrm>
-            <a:prstGeom prst="roundRect">
-              <a:avLst>
-                <a:gd name="adj" fmla="val 0"/>
-              </a:avLst>
-            </a:prstGeom>
-            <a:noFill/>
-            <a:ln w="19050">
-              <a:solidFill>
-                <a:schemeClr val="bg1"/>
-              </a:solidFill>
-              <a:round/>
-              <a:headEnd/>
-              <a:tailEnd/>
-            </a:ln>
-          </p:spPr>
-          <p:txBody>
-            <a:bodyPr rot="0" spcFirstLastPara="0" vert="horz" wrap="none" lIns="91440" tIns="45720" rIns="91440" bIns="45720" anchor="ctr" anchorCtr="1" forceAA="0" compatLnSpc="1">
-              <a:prstTxWarp prst="textNoShape">
-                <a:avLst/>
-              </a:prstTxWarp>
-              <a:normAutofit fontScale="92500" lnSpcReduction="10000"/>
-            </a:bodyPr>
-            <a:lstStyle/>
-            <a:p>
-              <a:pPr algn="ctr"/>
-              <a:r>
-                <a:rPr lang="en-US" altLang="zh-CN" sz="3200" dirty="0">
-                  <a:solidFill>
-                    <a:schemeClr val="bg1"/>
-                  </a:solidFill>
-                  <a:latin typeface="Agency FB" panose="020B0503020202020204" pitchFamily="34" charset="0"/>
-                  <a:cs typeface="+mn-ea"/>
-                  <a:sym typeface="+mn-lt"/>
-                </a:rPr>
-                <a:t>03</a:t>
-              </a:r>
-            </a:p>
-          </p:txBody>
-        </p:sp>
-        <p:sp>
-          <p:nvSpPr>
-            <p:cNvPr id="86" name="TextBox 16">
-              <a:extLst>
-                <a:ext uri="{FF2B5EF4-FFF2-40B4-BE49-F238E27FC236}">
-                  <a16:creationId xmlns:a16="http://schemas.microsoft.com/office/drawing/2014/main" xmlns="" id="{1F76388C-A1AF-49D1-8B59-075A2ADB9D9C}"/>
-                </a:ext>
-              </a:extLst>
-            </p:cNvPr>
-            <p:cNvSpPr txBox="1"/>
-            <p:nvPr/>
-          </p:nvSpPr>
-          <p:spPr>
-            <a:xfrm>
-              <a:off x="3681599" y="4148023"/>
-              <a:ext cx="3962575" cy="242864"/>
-            </a:xfrm>
-            <a:prstGeom prst="rect">
-              <a:avLst/>
-            </a:prstGeom>
-            <a:noFill/>
-          </p:spPr>
-          <p:txBody>
-            <a:bodyPr wrap="none" lIns="360000" tIns="0" rIns="0" bIns="0" anchor="b" anchorCtr="0">
-              <a:normAutofit fontScale="85000" lnSpcReduction="20000"/>
-            </a:bodyPr>
-            <a:lstStyle/>
-            <a:p>
-              <a:r>
-                <a:rPr lang="zh-CN" altLang="en-US" sz="1600" b="1" dirty="0" smtClean="0">
-                  <a:solidFill>
-                    <a:schemeClr val="bg1"/>
-                  </a:solidFill>
-                  <a:cs typeface="+mn-ea"/>
-                  <a:sym typeface="+mn-lt"/>
-                </a:rPr>
-                <a:t>总结</a:t>
-              </a:r>
-              <a:endParaRPr lang="zh-CN" altLang="en-US" sz="1600" b="1" dirty="0">
-                <a:solidFill>
-                  <a:schemeClr val="bg1"/>
-                </a:solidFill>
-                <a:cs typeface="+mn-ea"/>
-                <a:sym typeface="+mn-lt"/>
-              </a:endParaRPr>
-            </a:p>
-          </p:txBody>
-        </p:sp>
-      </p:grpSp>
       <p:sp>
         <p:nvSpPr>
           <p:cNvPr id="26" name="矩形 25">
             <a:extLst>
               <a:ext uri="{FF2B5EF4-FFF2-40B4-BE49-F238E27FC236}">
-                <a16:creationId xmlns:a16="http://schemas.microsoft.com/office/drawing/2014/main" xmlns="" id="{549794EE-0848-45C5-8B1B-57F0F339E92C}"/>
+                <a16:creationId xmlns="" xmlns:a16="http://schemas.microsoft.com/office/drawing/2014/main" id="{549794EE-0848-45C5-8B1B-57F0F339E92C}"/>
               </a:ext>
             </a:extLst>
           </p:cNvPr>
@@ -7214,7 +7092,7 @@
           <p:cNvPr id="27" name="矩形 26">
             <a:extLst>
               <a:ext uri="{FF2B5EF4-FFF2-40B4-BE49-F238E27FC236}">
-                <a16:creationId xmlns:a16="http://schemas.microsoft.com/office/drawing/2014/main" xmlns="" id="{D884DD69-5FE6-4F40-B3CB-C128E886ED10}"/>
+                <a16:creationId xmlns="" xmlns:a16="http://schemas.microsoft.com/office/drawing/2014/main" id="{D884DD69-5FE6-4F40-B3CB-C128E886ED10}"/>
               </a:ext>
             </a:extLst>
           </p:cNvPr>
@@ -7327,8 +7205,8 @@
       </p:transition>
     </mc:Fallback>
   </mc:AlternateContent>
-  <mc:AlternateContent xmlns:mc="http://schemas.openxmlformats.org/markup-compatibility/2006" xmlns:p14="http://schemas.microsoft.com/office/powerpoint/2010/main">
-    <mc:Choice Requires="p14">
+  <mc:AlternateContent xmlns:mc="http://schemas.openxmlformats.org/markup-compatibility/2006">
+    <mc:Choice xmlns:p14="http://schemas.microsoft.com/office/powerpoint/2010/main" Requires="p14">
       <p:timing>
         <p:tnLst>
           <p:par>
@@ -7766,88 +7644,6 @@
                                 </p:childTnLst>
                               </p:cTn>
                             </p:par>
-                            <p:par>
-                              <p:cTn id="33" fill="hold">
-                                <p:stCondLst>
-                                  <p:cond delay="3700"/>
-                                </p:stCondLst>
-                                <p:childTnLst>
-                                  <p:par>
-                                    <p:cTn id="34" presetID="2" presetClass="entr" presetSubtype="2" fill="hold" nodeType="afterEffect" p14:presetBounceEnd="44000">
-                                      <p:stCondLst>
-                                        <p:cond delay="0"/>
-                                      </p:stCondLst>
-                                      <p:childTnLst>
-                                        <p:set>
-                                          <p:cBhvr>
-                                            <p:cTn id="35" dur="1" fill="hold">
-                                              <p:stCondLst>
-                                                <p:cond delay="0"/>
-                                              </p:stCondLst>
-                                            </p:cTn>
-                                            <p:tgtEl>
-                                              <p:spTgt spid="83"/>
-                                            </p:tgtEl>
-                                            <p:attrNameLst>
-                                              <p:attrName>style.visibility</p:attrName>
-                                            </p:attrNameLst>
-                                          </p:cBhvr>
-                                          <p:to>
-                                            <p:strVal val="visible"/>
-                                          </p:to>
-                                        </p:set>
-                                        <p:anim calcmode="lin" valueType="num" p14:bounceEnd="44000">
-                                          <p:cBhvr additive="base">
-                                            <p:cTn id="36" dur="1000" fill="hold"/>
-                                            <p:tgtEl>
-                                              <p:spTgt spid="83"/>
-                                            </p:tgtEl>
-                                            <p:attrNameLst>
-                                              <p:attrName>ppt_x</p:attrName>
-                                            </p:attrNameLst>
-                                          </p:cBhvr>
-                                          <p:tavLst>
-                                            <p:tav tm="0">
-                                              <p:val>
-                                                <p:strVal val="1+#ppt_w/2"/>
-                                              </p:val>
-                                            </p:tav>
-                                            <p:tav tm="100000">
-                                              <p:val>
-                                                <p:strVal val="#ppt_x"/>
-                                              </p:val>
-                                            </p:tav>
-                                          </p:tavLst>
-                                        </p:anim>
-                                        <p:anim calcmode="lin" valueType="num" p14:bounceEnd="44000">
-                                          <p:cBhvr additive="base">
-                                            <p:cTn id="37" dur="1000" fill="hold"/>
-                                            <p:tgtEl>
-                                              <p:spTgt spid="83"/>
-                                            </p:tgtEl>
-                                            <p:attrNameLst>
-                                              <p:attrName>ppt_y</p:attrName>
-                                            </p:attrNameLst>
-                                          </p:cBhvr>
-                                          <p:tavLst>
-                                            <p:tav tm="0">
-                                              <p:val>
-                                                <p:strVal val="#ppt_y"/>
-                                              </p:val>
-                                            </p:tav>
-                                            <p:tav tm="100000">
-                                              <p:val>
-                                                <p:strVal val="#ppt_y"/>
-                                              </p:val>
-                                            </p:tav>
-                                          </p:tavLst>
-                                        </p:anim>
-                                      </p:childTnLst>
-                                    </p:cTn>
-                                  </p:par>
-                                </p:childTnLst>
-                              </p:cTn>
-                            </p:par>
                           </p:childTnLst>
                         </p:cTn>
                       </p:par>
@@ -7880,7 +7676,7 @@
         </p:bldLst>
       </p:timing>
     </mc:Choice>
-    <mc:Fallback xmlns="">
+    <mc:Fallback>
       <p:timing>
         <p:tnLst>
           <p:par>
@@ -8294,88 +8090,6 @@
                                             <p:cTn id="32" dur="1000" fill="hold"/>
                                             <p:tgtEl>
                                               <p:spTgt spid="78"/>
-                                            </p:tgtEl>
-                                            <p:attrNameLst>
-                                              <p:attrName>ppt_y</p:attrName>
-                                            </p:attrNameLst>
-                                          </p:cBhvr>
-                                          <p:tavLst>
-                                            <p:tav tm="0">
-                                              <p:val>
-                                                <p:strVal val="#ppt_y"/>
-                                              </p:val>
-                                            </p:tav>
-                                            <p:tav tm="100000">
-                                              <p:val>
-                                                <p:strVal val="#ppt_y"/>
-                                              </p:val>
-                                            </p:tav>
-                                          </p:tavLst>
-                                        </p:anim>
-                                      </p:childTnLst>
-                                    </p:cTn>
-                                  </p:par>
-                                </p:childTnLst>
-                              </p:cTn>
-                            </p:par>
-                            <p:par>
-                              <p:cTn id="33" fill="hold">
-                                <p:stCondLst>
-                                  <p:cond delay="3700"/>
-                                </p:stCondLst>
-                                <p:childTnLst>
-                                  <p:par>
-                                    <p:cTn id="34" presetID="2" presetClass="entr" presetSubtype="2" fill="hold" nodeType="afterEffect">
-                                      <p:stCondLst>
-                                        <p:cond delay="0"/>
-                                      </p:stCondLst>
-                                      <p:childTnLst>
-                                        <p:set>
-                                          <p:cBhvr>
-                                            <p:cTn id="35" dur="1" fill="hold">
-                                              <p:stCondLst>
-                                                <p:cond delay="0"/>
-                                              </p:stCondLst>
-                                            </p:cTn>
-                                            <p:tgtEl>
-                                              <p:spTgt spid="83"/>
-                                            </p:tgtEl>
-                                            <p:attrNameLst>
-                                              <p:attrName>style.visibility</p:attrName>
-                                            </p:attrNameLst>
-                                          </p:cBhvr>
-                                          <p:to>
-                                            <p:strVal val="visible"/>
-                                          </p:to>
-                                        </p:set>
-                                        <p:anim calcmode="lin" valueType="num">
-                                          <p:cBhvr additive="base">
-                                            <p:cTn id="36" dur="1000" fill="hold"/>
-                                            <p:tgtEl>
-                                              <p:spTgt spid="83"/>
-                                            </p:tgtEl>
-                                            <p:attrNameLst>
-                                              <p:attrName>ppt_x</p:attrName>
-                                            </p:attrNameLst>
-                                          </p:cBhvr>
-                                          <p:tavLst>
-                                            <p:tav tm="0">
-                                              <p:val>
-                                                <p:strVal val="1+#ppt_w/2"/>
-                                              </p:val>
-                                            </p:tav>
-                                            <p:tav tm="100000">
-                                              <p:val>
-                                                <p:strVal val="#ppt_x"/>
-                                              </p:val>
-                                            </p:tav>
-                                          </p:tavLst>
-                                        </p:anim>
-                                        <p:anim calcmode="lin" valueType="num">
-                                          <p:cBhvr additive="base">
-                                            <p:cTn id="37" dur="1000" fill="hold"/>
-                                            <p:tgtEl>
-                                              <p:spTgt spid="83"/>
                                             </p:tgtEl>
                                             <p:attrNameLst>
                                               <p:attrName>ppt_y</p:attrName>
@@ -8993,7 +8707,7 @@
           <p:cNvPr id="24" name="Freeform 12">
             <a:extLst>
               <a:ext uri="{FF2B5EF4-FFF2-40B4-BE49-F238E27FC236}">
-                <a16:creationId xmlns:a16="http://schemas.microsoft.com/office/drawing/2014/main" xmlns="" id="{59FD55C7-4BB7-4857-81C9-E6242BFC6CBA}"/>
+                <a16:creationId xmlns="" xmlns:a16="http://schemas.microsoft.com/office/drawing/2014/main" id="{59FD55C7-4BB7-4857-81C9-E6242BFC6CBA}"/>
               </a:ext>
             </a:extLst>
           </p:cNvPr>
@@ -9093,7 +8807,7 @@
           <p:cNvPr id="26" name="AutoShape 3">
             <a:extLst>
               <a:ext uri="{FF2B5EF4-FFF2-40B4-BE49-F238E27FC236}">
-                <a16:creationId xmlns:a16="http://schemas.microsoft.com/office/drawing/2014/main" xmlns="" id="{13D7405A-49B4-4877-B69E-B7DE207175B1}"/>
+                <a16:creationId xmlns="" xmlns:a16="http://schemas.microsoft.com/office/drawing/2014/main" id="{13D7405A-49B4-4877-B69E-B7DE207175B1}"/>
               </a:ext>
             </a:extLst>
           </p:cNvPr>
@@ -9571,7 +9285,7 @@
           <p:cNvPr id="21" name="Title 1">
             <a:extLst>
               <a:ext uri="{FF2B5EF4-FFF2-40B4-BE49-F238E27FC236}">
-                <a16:creationId xmlns:a16="http://schemas.microsoft.com/office/drawing/2014/main" xmlns="" id="{576F514B-AB1B-4B9F-BFB3-A6914E1D8E06}"/>
+                <a16:creationId xmlns="" xmlns:a16="http://schemas.microsoft.com/office/drawing/2014/main" id="{576F514B-AB1B-4B9F-BFB3-A6914E1D8E06}"/>
               </a:ext>
             </a:extLst>
           </p:cNvPr>
@@ -9848,7 +9562,7 @@
         <p:spPr>
           <a:xfrm>
             <a:off x="1043608" y="915566"/>
-            <a:ext cx="6624736" cy="1754326"/>
+            <a:ext cx="6624736" cy="1569660"/>
           </a:xfrm>
           <a:prstGeom prst="rect">
             <a:avLst/>
@@ -10168,12 +9882,16 @@
               <a:t>，跃居全球第一。 </a:t>
             </a:r>
             <a:r>
-              <a:rPr lang="en-US" altLang="zh-CN" sz="1200" dirty="0"/>
-              <a:t>2013</a:t>
-            </a:r>
-            <a:r>
-              <a:rPr lang="zh-CN" altLang="en-US" sz="1200" dirty="0"/>
-              <a:t>年的第四季度，</a:t>
+              <a:rPr lang="en-US" altLang="zh-CN" sz="1200" dirty="0" smtClean="0"/>
+              <a:t>2019</a:t>
+            </a:r>
+            <a:r>
+              <a:rPr lang="zh-CN" altLang="en-US" sz="1200" dirty="0" smtClean="0"/>
+              <a:t>年度</a:t>
+            </a:r>
+            <a:r>
+              <a:rPr lang="zh-CN" altLang="en-US" sz="1200" dirty="0"/>
+              <a:t>，</a:t>
             </a:r>
             <a:r>
               <a:rPr lang="en-US" altLang="zh-CN" sz="1200" dirty="0"/>
@@ -10181,71 +9899,19 @@
             </a:r>
             <a:r>
               <a:rPr lang="zh-CN" altLang="en-US" sz="1200" dirty="0"/>
-              <a:t>平台手机的全球市场份额已经达到</a:t>
-            </a:r>
-            <a:r>
-              <a:rPr lang="en-US" altLang="zh-CN" sz="1200" dirty="0"/>
-              <a:t>78.1%</a:t>
+              <a:t>平台手机的全球市场份额已经</a:t>
+            </a:r>
+            <a:r>
+              <a:rPr lang="zh-CN" altLang="en-US" sz="1200" dirty="0" smtClean="0"/>
+              <a:t>达到</a:t>
+            </a:r>
+            <a:r>
+              <a:rPr lang="en-US" altLang="zh-CN" sz="1200" dirty="0" smtClean="0"/>
+              <a:t>82.6%</a:t>
             </a:r>
             <a:r>
               <a:rPr lang="zh-CN" altLang="en-US" sz="1200" dirty="0"/>
               <a:t>。</a:t>
-            </a:r>
-            <a:r>
-              <a:rPr lang="zh-CN" altLang="en-US" sz="1200" baseline="30000" dirty="0"/>
-              <a:t> </a:t>
-            </a:r>
-            <a:r>
-              <a:rPr lang="zh-CN" altLang="en-US" sz="1200" dirty="0"/>
-              <a:t> </a:t>
-            </a:r>
-            <a:r>
-              <a:rPr lang="en-US" altLang="zh-CN" sz="1200" dirty="0"/>
-              <a:t>2013</a:t>
-            </a:r>
-            <a:r>
-              <a:rPr lang="zh-CN" altLang="en-US" sz="1200" dirty="0"/>
-              <a:t>年</a:t>
-            </a:r>
-            <a:r>
-              <a:rPr lang="en-US" altLang="zh-CN" sz="1200" dirty="0"/>
-              <a:t>09</a:t>
-            </a:r>
-            <a:r>
-              <a:rPr lang="zh-CN" altLang="en-US" sz="1200" dirty="0"/>
-              <a:t>月</a:t>
-            </a:r>
-            <a:r>
-              <a:rPr lang="en-US" altLang="zh-CN" sz="1200" dirty="0"/>
-              <a:t>24</a:t>
-            </a:r>
-            <a:r>
-              <a:rPr lang="zh-CN" altLang="en-US" sz="1200" dirty="0"/>
-              <a:t>日谷歌开发的操作系统</a:t>
-            </a:r>
-            <a:r>
-              <a:rPr lang="en-US" altLang="zh-CN" sz="1200" dirty="0"/>
-              <a:t>Android</a:t>
-            </a:r>
-            <a:r>
-              <a:rPr lang="zh-CN" altLang="en-US" sz="1200" dirty="0"/>
-              <a:t>在迎来了</a:t>
-            </a:r>
-            <a:r>
-              <a:rPr lang="en-US" altLang="zh-CN" sz="1200" dirty="0"/>
-              <a:t>5</a:t>
-            </a:r>
-            <a:r>
-              <a:rPr lang="zh-CN" altLang="en-US" sz="1200" dirty="0"/>
-              <a:t>岁生日，全世界采用这款系统的设备数量已经达到</a:t>
-            </a:r>
-            <a:r>
-              <a:rPr lang="en-US" altLang="zh-CN" sz="1200" dirty="0"/>
-              <a:t>10</a:t>
-            </a:r>
-            <a:r>
-              <a:rPr lang="zh-CN" altLang="en-US" sz="1200" dirty="0"/>
-              <a:t>亿台。</a:t>
             </a:r>
             <a:endParaRPr lang="zh-CN" altLang="en-US" sz="1200" dirty="0" smtClean="0">
               <a:solidFill>
@@ -10324,7 +9990,7 @@
               <a:t>java</a:t>
             </a:r>
             <a:r>
-              <a:rPr lang="zh-CN" altLang="en-US" sz="1800" dirty="0" smtClean="0">
+              <a:rPr lang="zh-CN" altLang="en-US" sz="1800" dirty="0">
                 <a:solidFill>
                   <a:srgbClr val="333333"/>
                 </a:solidFill>
@@ -10333,7 +9999,7 @@
                 <a:cs typeface="+mn-ea"/>
                 <a:sym typeface="+mn-lt"/>
               </a:rPr>
-              <a:t>或</a:t>
+              <a:t>、</a:t>
             </a:r>
             <a:r>
               <a:rPr lang="en-US" altLang="zh-CN" sz="1800" dirty="0" err="1" smtClean="0">
@@ -10518,12 +10184,8 @@
               <a:t> </a:t>
             </a:r>
             <a:r>
-              <a:rPr lang="en-US" altLang="zh-CN" sz="1200" baseline="30000" dirty="0"/>
-              <a:t>[1]</a:t>
-            </a:r>
-            <a:r>
-              <a:rPr lang="zh-CN" altLang="en-US" sz="1200" dirty="0"/>
-              <a:t>  。苹果公司最早于 </a:t>
+              <a:rPr lang="zh-CN" altLang="en-US" sz="1200" dirty="0"/>
+              <a:t> 。苹果公司最早于 </a:t>
             </a:r>
             <a:r>
               <a:rPr lang="en-US" altLang="zh-CN" sz="1200" dirty="0"/>
@@ -10762,13 +10424,13 @@
               <a:t>objective-c</a:t>
             </a:r>
             <a:r>
-              <a:rPr lang="zh-CN" altLang="en-US" dirty="0" smtClean="0">
+              <a:rPr lang="zh-CN" altLang="en-US" dirty="0">
                 <a:solidFill>
                   <a:srgbClr val="333333"/>
                 </a:solidFill>
                 <a:latin typeface="arial" panose="020B0604020202020204" pitchFamily="34" charset="0"/>
               </a:rPr>
-              <a:t>或</a:t>
+              <a:t>、</a:t>
             </a:r>
             <a:r>
               <a:rPr lang="en-US" altLang="zh-CN" dirty="0" smtClean="0">
@@ -10903,8 +10565,8 @@
         </p:nvSpPr>
         <p:spPr>
           <a:xfrm>
-            <a:off x="1043608" y="2022977"/>
-            <a:ext cx="6624736" cy="1384995"/>
+            <a:off x="1039551" y="2082210"/>
+            <a:ext cx="6624736" cy="1569660"/>
           </a:xfrm>
           <a:prstGeom prst="rect">
             <a:avLst/>
@@ -11079,6 +10741,27 @@
               <a:rPr lang="zh-CN" altLang="en-US" sz="1200" dirty="0" smtClean="0"/>
               <a:t>。</a:t>
             </a:r>
+            <a:endParaRPr lang="en-US" altLang="zh-CN" sz="1200" dirty="0" smtClean="0"/>
+          </a:p>
+          <a:p>
+            <a:r>
+              <a:rPr lang="en-US" altLang="zh-CN" sz="1200" dirty="0" smtClean="0">
+                <a:hlinkClick r:id="rId3"/>
+              </a:rPr>
+              <a:t>https</a:t>
+            </a:r>
+            <a:r>
+              <a:rPr lang="en-US" altLang="zh-CN" sz="1200" dirty="0">
+                <a:hlinkClick r:id="rId3"/>
+              </a:rPr>
+              <a:t>://cordova.apache.org</a:t>
+            </a:r>
+            <a:r>
+              <a:rPr lang="en-US" altLang="zh-CN" sz="1200" dirty="0" smtClean="0">
+                <a:hlinkClick r:id="rId3"/>
+              </a:rPr>
+              <a:t>/</a:t>
+            </a:r>
             <a:endParaRPr lang="zh-CN" altLang="en-US" sz="1200" dirty="0"/>
           </a:p>
         </p:txBody>
@@ -11091,7 +10774,7 @@
         </p:nvSpPr>
         <p:spPr>
           <a:xfrm>
-            <a:off x="1043608" y="3723878"/>
+            <a:off x="1039551" y="3723878"/>
             <a:ext cx="6624736" cy="830997"/>
           </a:xfrm>
           <a:prstGeom prst="rect">
@@ -11106,6 +10789,10 @@
           <a:lstStyle/>
           <a:p>
             <a:r>
+              <a:rPr lang="zh-CN" altLang="en-US" sz="1200" b="1" dirty="0" smtClean="0"/>
+              <a:t>相关文章：</a:t>
+            </a:r>
+            <a:r>
               <a:rPr lang="en-US" altLang="zh-CN" sz="1200" b="1" dirty="0" err="1" smtClean="0"/>
               <a:t>DCloud</a:t>
             </a:r>
@@ -11219,6 +10906,18 @@
             <a:br>
               <a:rPr lang="zh-CN" altLang="en-US" sz="1200" dirty="0"/>
             </a:br>
+            <a:r>
+              <a:rPr lang="en-US" altLang="zh-CN" sz="1200" dirty="0" smtClean="0">
+                <a:hlinkClick r:id="rId4"/>
+              </a:rPr>
+              <a:t>https</a:t>
+            </a:r>
+            <a:r>
+              <a:rPr lang="en-US" altLang="zh-CN" sz="1200" dirty="0">
+                <a:hlinkClick r:id="rId4"/>
+              </a:rPr>
+              <a:t>://www.dcloud.io/</a:t>
+            </a:r>
             <a:endParaRPr lang="zh-CN" altLang="en-US" sz="1200" dirty="0"/>
           </a:p>
         </p:txBody>
@@ -11232,7 +10931,7 @@
         <p:spPr>
           <a:xfrm>
             <a:off x="1043608" y="987574"/>
-            <a:ext cx="6624736" cy="1015663"/>
+            <a:ext cx="6624736" cy="1200329"/>
           </a:xfrm>
           <a:prstGeom prst="rect">
             <a:avLst/>
@@ -11397,11 +11096,23 @@
               <a:t>。</a:t>
             </a:r>
             <a:r>
-              <a:rPr lang="zh-CN" altLang="en-US" sz="1200" dirty="0"/>
+              <a:rPr lang="en-US" altLang="zh-CN" sz="1200" dirty="0" smtClean="0">
+                <a:hlinkClick r:id="rId5"/>
+              </a:rPr>
+              <a:t>https</a:t>
+            </a:r>
+            <a:r>
+              <a:rPr lang="en-US" altLang="zh-CN" sz="1200" dirty="0">
+                <a:hlinkClick r:id="rId5"/>
+              </a:rPr>
+              <a:t>://www.cnblogs.com/yuanyingke/p/6060150.html</a:t>
+            </a:r>
+            <a:r>
+              <a:rPr lang="zh-CN" altLang="en-US" sz="1200" dirty="0" smtClean="0"/>
               <a:t/>
             </a:r>
             <a:br>
-              <a:rPr lang="zh-CN" altLang="en-US" sz="1200" dirty="0"/>
+              <a:rPr lang="zh-CN" altLang="en-US" sz="1200" dirty="0" smtClean="0"/>
             </a:br>
             <a:endParaRPr lang="zh-CN" altLang="en-US" sz="1200" dirty="0"/>
           </a:p>
@@ -11528,151 +11239,6 @@
         <p:spPr>
           <a:xfrm>
             <a:off x="1043608" y="915566"/>
-            <a:ext cx="6624736" cy="830997"/>
-          </a:xfrm>
-          <a:prstGeom prst="rect">
-            <a:avLst/>
-          </a:prstGeom>
-          <a:noFill/>
-        </p:spPr>
-        <p:txBody>
-          <a:bodyPr wrap="square" rtlCol="0">
-            <a:spAutoFit/>
-          </a:bodyPr>
-          <a:lstStyle/>
-          <a:p>
-            <a:r>
-              <a:rPr lang="en-US" altLang="zh-CN" sz="1200" b="1" dirty="0" err="1" smtClean="0"/>
-              <a:t>Weex</a:t>
-            </a:r>
-            <a:r>
-              <a:rPr lang="zh-CN" altLang="en-US" sz="1200" b="1" dirty="0" smtClean="0"/>
-              <a:t>介绍</a:t>
-            </a:r>
-            <a:r>
-              <a:rPr lang="en-US" altLang="zh-CN" sz="1200" b="1" dirty="0" smtClean="0"/>
-              <a:t>: </a:t>
-            </a:r>
-            <a:r>
-              <a:rPr lang="en-US" altLang="zh-CN" sz="1200" dirty="0" err="1"/>
-              <a:t>Weex</a:t>
-            </a:r>
-            <a:r>
-              <a:rPr lang="en-US" altLang="zh-CN" sz="1200" dirty="0"/>
-              <a:t> </a:t>
-            </a:r>
-            <a:r>
-              <a:rPr lang="zh-CN" altLang="en-US" sz="1200" dirty="0"/>
-              <a:t>是一套简单易用的跨平台开发方案，能以 </a:t>
-            </a:r>
-            <a:r>
-              <a:rPr lang="en-US" altLang="zh-CN" sz="1200" dirty="0"/>
-              <a:t>web </a:t>
-            </a:r>
-            <a:r>
-              <a:rPr lang="zh-CN" altLang="en-US" sz="1200" dirty="0"/>
-              <a:t>的开发体验构建高性能、可扩展的 </a:t>
-            </a:r>
-            <a:r>
-              <a:rPr lang="en-US" altLang="zh-CN" sz="1200" dirty="0"/>
-              <a:t>native </a:t>
-            </a:r>
-            <a:r>
-              <a:rPr lang="zh-CN" altLang="en-US" sz="1200" dirty="0"/>
-              <a:t>应用，为了做到这些，</a:t>
-            </a:r>
-            <a:r>
-              <a:rPr lang="en-US" altLang="zh-CN" sz="1200" dirty="0" err="1"/>
-              <a:t>Weex</a:t>
-            </a:r>
-            <a:r>
-              <a:rPr lang="en-US" altLang="zh-CN" sz="1200" dirty="0"/>
-              <a:t> </a:t>
-            </a:r>
-            <a:r>
-              <a:rPr lang="zh-CN" altLang="en-US" sz="1200" dirty="0"/>
-              <a:t>与 </a:t>
-            </a:r>
-            <a:r>
-              <a:rPr lang="en-US" altLang="zh-CN" sz="1200" dirty="0" err="1"/>
-              <a:t>Vue</a:t>
-            </a:r>
-            <a:r>
-              <a:rPr lang="en-US" altLang="zh-CN" sz="1200" dirty="0"/>
-              <a:t> </a:t>
-            </a:r>
-            <a:r>
-              <a:rPr lang="zh-CN" altLang="en-US" sz="1200" dirty="0"/>
-              <a:t>合作，使用 </a:t>
-            </a:r>
-            <a:r>
-              <a:rPr lang="en-US" altLang="zh-CN" sz="1200" dirty="0" err="1"/>
-              <a:t>Vue</a:t>
-            </a:r>
-            <a:r>
-              <a:rPr lang="en-US" altLang="zh-CN" sz="1200" dirty="0"/>
-              <a:t> </a:t>
-            </a:r>
-            <a:r>
-              <a:rPr lang="zh-CN" altLang="en-US" sz="1200" dirty="0"/>
-              <a:t>作为上层框架，并遵循 </a:t>
-            </a:r>
-            <a:r>
-              <a:rPr lang="en-US" altLang="zh-CN" sz="1200" dirty="0"/>
-              <a:t>W3C </a:t>
-            </a:r>
-            <a:r>
-              <a:rPr lang="zh-CN" altLang="en-US" sz="1200" dirty="0"/>
-              <a:t>标准实现了统一的 </a:t>
-            </a:r>
-            <a:r>
-              <a:rPr lang="en-US" altLang="zh-CN" sz="1200" dirty="0" err="1"/>
-              <a:t>JSEngine</a:t>
-            </a:r>
-            <a:r>
-              <a:rPr lang="en-US" altLang="zh-CN" sz="1200" dirty="0"/>
-              <a:t> </a:t>
-            </a:r>
-            <a:r>
-              <a:rPr lang="zh-CN" altLang="en-US" sz="1200" dirty="0"/>
-              <a:t>和 </a:t>
-            </a:r>
-            <a:r>
-              <a:rPr lang="en-US" altLang="zh-CN" sz="1200" dirty="0"/>
-              <a:t>DOM API</a:t>
-            </a:r>
-            <a:r>
-              <a:rPr lang="zh-CN" altLang="en-US" sz="1200" dirty="0"/>
-              <a:t>，这样一来，你甚至可以使用其他框架驱动 </a:t>
-            </a:r>
-            <a:r>
-              <a:rPr lang="en-US" altLang="zh-CN" sz="1200" dirty="0" err="1"/>
-              <a:t>Weex</a:t>
-            </a:r>
-            <a:r>
-              <a:rPr lang="zh-CN" altLang="en-US" sz="1200" dirty="0"/>
-              <a:t>，打造三端一致的 </a:t>
-            </a:r>
-            <a:r>
-              <a:rPr lang="en-US" altLang="zh-CN" sz="1200" dirty="0"/>
-              <a:t>native </a:t>
-            </a:r>
-            <a:r>
-              <a:rPr lang="zh-CN" altLang="en-US" sz="1200" dirty="0"/>
-              <a:t>应用。</a:t>
-            </a:r>
-          </a:p>
-        </p:txBody>
-      </p:sp>
-      <p:sp>
-        <p:nvSpPr>
-          <p:cNvPr id="4" name="文本框 3"/>
-          <p:cNvSpPr txBox="1"/>
-          <p:nvPr/>
-        </p:nvSpPr>
-        <p:spPr>
-          <a:xfrm>
-            <a:off x="1043608" y="1851670"/>
             <a:ext cx="6624736" cy="1015663"/>
           </a:xfrm>
           <a:prstGeom prst="rect">
@@ -11687,6 +11253,171 @@
           <a:lstStyle/>
           <a:p>
             <a:r>
+              <a:rPr lang="en-US" altLang="zh-CN" sz="1200" b="1" dirty="0" err="1" smtClean="0"/>
+              <a:t>Weex</a:t>
+            </a:r>
+            <a:r>
+              <a:rPr lang="zh-CN" altLang="en-US" sz="1200" b="1" dirty="0" smtClean="0"/>
+              <a:t>介绍</a:t>
+            </a:r>
+            <a:r>
+              <a:rPr lang="en-US" altLang="zh-CN" sz="1200" b="1" dirty="0" smtClean="0"/>
+              <a:t>: </a:t>
+            </a:r>
+            <a:r>
+              <a:rPr lang="en-US" altLang="zh-CN" sz="1200" dirty="0" err="1"/>
+              <a:t>Weex</a:t>
+            </a:r>
+            <a:r>
+              <a:rPr lang="en-US" altLang="zh-CN" sz="1200" dirty="0"/>
+              <a:t> </a:t>
+            </a:r>
+            <a:r>
+              <a:rPr lang="zh-CN" altLang="en-US" sz="1200" dirty="0"/>
+              <a:t>是一套简单易用的跨平台开发方案，能以 </a:t>
+            </a:r>
+            <a:r>
+              <a:rPr lang="en-US" altLang="zh-CN" sz="1200" dirty="0"/>
+              <a:t>web </a:t>
+            </a:r>
+            <a:r>
+              <a:rPr lang="zh-CN" altLang="en-US" sz="1200" dirty="0"/>
+              <a:t>的开发体验构建高性能、可扩展的 </a:t>
+            </a:r>
+            <a:r>
+              <a:rPr lang="en-US" altLang="zh-CN" sz="1200" dirty="0"/>
+              <a:t>native </a:t>
+            </a:r>
+            <a:r>
+              <a:rPr lang="zh-CN" altLang="en-US" sz="1200" dirty="0"/>
+              <a:t>应用，为了做到这些，</a:t>
+            </a:r>
+            <a:r>
+              <a:rPr lang="en-US" altLang="zh-CN" sz="1200" dirty="0" err="1"/>
+              <a:t>Weex</a:t>
+            </a:r>
+            <a:r>
+              <a:rPr lang="en-US" altLang="zh-CN" sz="1200" dirty="0"/>
+              <a:t> </a:t>
+            </a:r>
+            <a:r>
+              <a:rPr lang="zh-CN" altLang="en-US" sz="1200" dirty="0"/>
+              <a:t>与 </a:t>
+            </a:r>
+            <a:r>
+              <a:rPr lang="en-US" altLang="zh-CN" sz="1200" dirty="0" err="1"/>
+              <a:t>Vue</a:t>
+            </a:r>
+            <a:r>
+              <a:rPr lang="en-US" altLang="zh-CN" sz="1200" dirty="0"/>
+              <a:t> </a:t>
+            </a:r>
+            <a:r>
+              <a:rPr lang="zh-CN" altLang="en-US" sz="1200" dirty="0"/>
+              <a:t>合作，使用 </a:t>
+            </a:r>
+            <a:r>
+              <a:rPr lang="en-US" altLang="zh-CN" sz="1200" dirty="0" err="1"/>
+              <a:t>Vue</a:t>
+            </a:r>
+            <a:r>
+              <a:rPr lang="en-US" altLang="zh-CN" sz="1200" dirty="0"/>
+              <a:t> </a:t>
+            </a:r>
+            <a:r>
+              <a:rPr lang="zh-CN" altLang="en-US" sz="1200" dirty="0"/>
+              <a:t>作为上层框架，并遵循 </a:t>
+            </a:r>
+            <a:r>
+              <a:rPr lang="en-US" altLang="zh-CN" sz="1200" dirty="0"/>
+              <a:t>W3C </a:t>
+            </a:r>
+            <a:r>
+              <a:rPr lang="zh-CN" altLang="en-US" sz="1200" dirty="0"/>
+              <a:t>标准实现了统一的 </a:t>
+            </a:r>
+            <a:r>
+              <a:rPr lang="en-US" altLang="zh-CN" sz="1200" dirty="0" err="1"/>
+              <a:t>JSEngine</a:t>
+            </a:r>
+            <a:r>
+              <a:rPr lang="en-US" altLang="zh-CN" sz="1200" dirty="0"/>
+              <a:t> </a:t>
+            </a:r>
+            <a:r>
+              <a:rPr lang="zh-CN" altLang="en-US" sz="1200" dirty="0"/>
+              <a:t>和 </a:t>
+            </a:r>
+            <a:r>
+              <a:rPr lang="en-US" altLang="zh-CN" sz="1200" dirty="0"/>
+              <a:t>DOM API</a:t>
+            </a:r>
+            <a:r>
+              <a:rPr lang="zh-CN" altLang="en-US" sz="1200" dirty="0"/>
+              <a:t>，这样一来，你甚至可以使用其他框架驱动 </a:t>
+            </a:r>
+            <a:r>
+              <a:rPr lang="en-US" altLang="zh-CN" sz="1200" dirty="0" err="1"/>
+              <a:t>Weex</a:t>
+            </a:r>
+            <a:r>
+              <a:rPr lang="zh-CN" altLang="en-US" sz="1200" dirty="0"/>
+              <a:t>，打造三端一致的 </a:t>
+            </a:r>
+            <a:r>
+              <a:rPr lang="en-US" altLang="zh-CN" sz="1200" dirty="0"/>
+              <a:t>native </a:t>
+            </a:r>
+            <a:r>
+              <a:rPr lang="zh-CN" altLang="en-US" sz="1200" dirty="0"/>
+              <a:t>应用</a:t>
+            </a:r>
+            <a:r>
+              <a:rPr lang="zh-CN" altLang="en-US" sz="1200" dirty="0" smtClean="0"/>
+              <a:t>。</a:t>
+            </a:r>
+            <a:endParaRPr lang="en-US" altLang="zh-CN" sz="1200" dirty="0" smtClean="0"/>
+          </a:p>
+          <a:p>
+            <a:r>
+              <a:rPr lang="en-US" altLang="zh-CN" sz="1200" dirty="0" smtClean="0">
+                <a:hlinkClick r:id="rId3"/>
+              </a:rPr>
+              <a:t>https</a:t>
+            </a:r>
+            <a:r>
+              <a:rPr lang="en-US" altLang="zh-CN" sz="1200" dirty="0">
+                <a:hlinkClick r:id="rId3"/>
+              </a:rPr>
+              <a:t>://weex.apache.org/</a:t>
+            </a:r>
+            <a:endParaRPr lang="zh-CN" altLang="en-US" sz="1200" dirty="0"/>
+          </a:p>
+        </p:txBody>
+      </p:sp>
+      <p:sp>
+        <p:nvSpPr>
+          <p:cNvPr id="4" name="文本框 3"/>
+          <p:cNvSpPr txBox="1"/>
+          <p:nvPr/>
+        </p:nvSpPr>
+        <p:spPr>
+          <a:xfrm>
+            <a:off x="1044021" y="1942605"/>
+            <a:ext cx="6624736" cy="1015663"/>
+          </a:xfrm>
+          <a:prstGeom prst="rect">
+            <a:avLst/>
+          </a:prstGeom>
+          <a:noFill/>
+        </p:spPr>
+        <p:txBody>
+          <a:bodyPr wrap="square" rtlCol="0">
+            <a:spAutoFit/>
+          </a:bodyPr>
+          <a:lstStyle/>
+          <a:p>
+            <a:r>
               <a:rPr lang="en-US" altLang="zh-CN" sz="1200" b="1" dirty="0" smtClean="0"/>
               <a:t>React Native</a:t>
             </a:r>
@@ -11825,6 +11556,18 @@
             <a:br>
               <a:rPr lang="zh-CN" altLang="en-US" sz="1200" dirty="0"/>
             </a:br>
+            <a:r>
+              <a:rPr lang="en-US" altLang="zh-CN" sz="1200" dirty="0" smtClean="0">
+                <a:hlinkClick r:id="rId4"/>
+              </a:rPr>
+              <a:t>https</a:t>
+            </a:r>
+            <a:r>
+              <a:rPr lang="en-US" altLang="zh-CN" sz="1200" dirty="0">
+                <a:hlinkClick r:id="rId4"/>
+              </a:rPr>
+              <a:t>://reactnative.cn/</a:t>
+            </a:r>
             <a:endParaRPr lang="zh-CN" altLang="en-US" sz="1200" dirty="0"/>
           </a:p>
         </p:txBody>
@@ -11837,7 +11580,7 @@
         </p:nvSpPr>
         <p:spPr>
           <a:xfrm>
-            <a:off x="1070323" y="2870756"/>
+            <a:off x="1043608" y="3003798"/>
             <a:ext cx="6624736" cy="1569660"/>
           </a:xfrm>
           <a:prstGeom prst="rect">
@@ -11955,7 +11698,7 @@
             </a:r>
             <a:r>
               <a:rPr lang="en-US" altLang="zh-CN" sz="1200" dirty="0">
-                <a:hlinkClick r:id="rId3"/>
+                <a:hlinkClick r:id="rId5"/>
               </a:rPr>
               <a:t>React</a:t>
             </a:r>
@@ -12006,6 +11749,12 @@
             <a:br>
               <a:rPr lang="zh-CN" altLang="en-US" sz="1200" dirty="0"/>
             </a:br>
+            <a:r>
+              <a:rPr lang="en-US" altLang="zh-CN" sz="1200" dirty="0">
+                <a:hlinkClick r:id="rId6"/>
+              </a:rPr>
+              <a:t>https://flutterchina.club/</a:t>
+            </a:r>
             <a:endParaRPr lang="zh-CN" altLang="en-US" sz="1200" dirty="0"/>
           </a:p>
         </p:txBody>
@@ -12275,7 +12024,7 @@
         <p:spPr>
           <a:xfrm>
             <a:off x="827584" y="2599040"/>
-            <a:ext cx="6624736" cy="2492990"/>
+            <a:ext cx="6624736" cy="1938992"/>
           </a:xfrm>
           <a:prstGeom prst="rect">
             <a:avLst/>
@@ -12345,114 +12094,89 @@
             </a:r>
             <a:r>
               <a:rPr lang="zh-CN" altLang="en-US" sz="1200" dirty="0"/>
-              <a:t>的自适应布局更加简单高效</a:t>
+              <a:t>的自适应布局更加简单</a:t>
+            </a:r>
+            <a:r>
+              <a:rPr lang="zh-CN" altLang="en-US" sz="1200" dirty="0" smtClean="0"/>
+              <a:t>高效，更</a:t>
+            </a:r>
+            <a:r>
+              <a:rPr lang="zh-CN" altLang="en-US" sz="1200" dirty="0"/>
+              <a:t>贴近于原生开发</a:t>
             </a:r>
           </a:p>
           <a:p>
             <a:r>
-              <a:rPr lang="zh-CN" altLang="en-US" sz="1200" dirty="0"/>
-              <a:t>可实现在线更新</a:t>
-            </a:r>
-            <a:r>
-              <a:rPr lang="en-US" altLang="zh-CN" sz="1200" dirty="0"/>
-              <a:t>2015.7.28 </a:t>
-            </a:r>
-            <a:r>
-              <a:rPr lang="en-US" altLang="zh-CN" sz="1200" dirty="0" err="1"/>
-              <a:t>AppStore</a:t>
-            </a:r>
-            <a:r>
-              <a:rPr lang="zh-CN" altLang="en-US" sz="1200" dirty="0"/>
-              <a:t>审核政策调整：允许运行于</a:t>
-            </a:r>
-            <a:r>
-              <a:rPr lang="en-US" altLang="zh-CN" sz="1200" dirty="0" err="1"/>
-              <a:t>JavaSriptCore</a:t>
-            </a:r>
-            <a:r>
-              <a:rPr lang="zh-CN" altLang="en-US" sz="1200" dirty="0"/>
-              <a:t>的动态加 载代码。更贴近于原生开发</a:t>
+              <a:rPr lang="zh-CN" altLang="en-US" sz="1200" b="1" dirty="0"/>
+              <a:t>劣势</a:t>
+            </a:r>
+            <a:r>
+              <a:rPr lang="zh-CN" altLang="en-US" sz="1200" dirty="0"/>
+              <a:t>：</a:t>
             </a:r>
           </a:p>
           <a:p>
             <a:r>
-              <a:rPr lang="zh-CN" altLang="en-US" sz="1200" b="1" dirty="0"/>
-              <a:t>劣势</a:t>
-            </a:r>
-            <a:r>
-              <a:rPr lang="zh-CN" altLang="en-US" sz="1200" dirty="0"/>
-              <a:t>：</a:t>
-            </a:r>
+              <a:rPr lang="zh-CN" altLang="en-US" sz="1200" dirty="0"/>
+              <a:t>对开发人员要求较高，不是懂点</a:t>
+            </a:r>
+            <a:r>
+              <a:rPr lang="en-US" altLang="zh-CN" sz="1200" dirty="0"/>
+              <a:t>web</a:t>
+            </a:r>
+            <a:r>
+              <a:rPr lang="zh-CN" altLang="en-US" sz="1200" dirty="0"/>
+              <a:t>技术就行的，当官方封装的 控件、</a:t>
+            </a:r>
+            <a:r>
+              <a:rPr lang="en-US" altLang="zh-CN" sz="1200" dirty="0"/>
+              <a:t>API</a:t>
+            </a:r>
+            <a:r>
+              <a:rPr lang="zh-CN" altLang="en-US" sz="1200" dirty="0"/>
+              <a:t>无法满足需 求时就必然需要懂一些</a:t>
+            </a:r>
+            <a:r>
+              <a:rPr lang="en-US" altLang="zh-CN" sz="1200" dirty="0"/>
+              <a:t>native</a:t>
+            </a:r>
+            <a:r>
+              <a:rPr lang="zh-CN" altLang="en-US" sz="1200" dirty="0"/>
+              <a:t>的东西</a:t>
+            </a:r>
+            <a:r>
+              <a:rPr lang="zh-CN" altLang="en-US" sz="1200" dirty="0" smtClean="0"/>
+              <a:t>去扩展。</a:t>
+            </a:r>
+            <a:endParaRPr lang="zh-CN" altLang="en-US" sz="1200" dirty="0"/>
           </a:p>
           <a:p>
             <a:r>
               <a:rPr lang="zh-CN" altLang="en-US" sz="1200" dirty="0"/>
-              <a:t>对开发人员要求较高，不是懂点</a:t>
-            </a:r>
-            <a:r>
-              <a:rPr lang="en-US" altLang="zh-CN" sz="1200" dirty="0"/>
-              <a:t>web</a:t>
-            </a:r>
-            <a:r>
-              <a:rPr lang="zh-CN" altLang="en-US" sz="1200" dirty="0"/>
-              <a:t>技术就行的，当官方封装的 控件、</a:t>
-            </a:r>
-            <a:r>
-              <a:rPr lang="en-US" altLang="zh-CN" sz="1200" dirty="0"/>
-              <a:t>API</a:t>
-            </a:r>
-            <a:r>
-              <a:rPr lang="zh-CN" altLang="en-US" sz="1200" dirty="0"/>
-              <a:t>无法满足需 求时就必然需要懂一些</a:t>
-            </a:r>
-            <a:r>
-              <a:rPr lang="en-US" altLang="zh-CN" sz="1200" dirty="0"/>
-              <a:t>native</a:t>
-            </a:r>
-            <a:r>
-              <a:rPr lang="zh-CN" altLang="en-US" sz="1200" dirty="0"/>
-              <a:t>的东西去 扩展，扩展性仍然远远不如</a:t>
-            </a:r>
-            <a:r>
-              <a:rPr lang="en-US" altLang="zh-CN" sz="1200" dirty="0"/>
-              <a:t>web</a:t>
-            </a:r>
-            <a:r>
-              <a:rPr lang="zh-CN" altLang="en-US" sz="1200" dirty="0"/>
-              <a:t>，也远远不如直 接写</a:t>
-            </a:r>
-            <a:r>
-              <a:rPr lang="en-US" altLang="zh-CN" sz="1200" dirty="0"/>
-              <a:t>Native Code</a:t>
-            </a:r>
-            <a:r>
-              <a:rPr lang="zh-CN" altLang="en-US" sz="1200" dirty="0"/>
+              <a:t>官方说的很隐晦：</a:t>
+            </a:r>
+            <a:r>
+              <a:rPr lang="en-US" altLang="zh-CN" sz="1200" dirty="0"/>
+              <a:t>learn once</a:t>
+            </a:r>
+            <a:r>
+              <a:rPr lang="zh-CN" altLang="en-US" sz="1200" dirty="0"/>
+              <a:t>， </a:t>
+            </a:r>
+            <a:r>
+              <a:rPr lang="en-US" altLang="zh-CN" sz="1200" dirty="0"/>
+              <a:t>write anywhere</a:t>
+            </a:r>
+            <a:r>
+              <a:rPr lang="zh-CN" altLang="en-US" sz="1200" dirty="0" smtClean="0"/>
               <a:t>。</a:t>
             </a:r>
-          </a:p>
-          <a:p>
-            <a:r>
-              <a:rPr lang="zh-CN" altLang="en-US" sz="1200" dirty="0"/>
-              <a:t>官方说的很隐晦：</a:t>
-            </a:r>
-            <a:r>
-              <a:rPr lang="en-US" altLang="zh-CN" sz="1200" dirty="0"/>
-              <a:t>learn once</a:t>
-            </a:r>
-            <a:r>
-              <a:rPr lang="zh-CN" altLang="en-US" sz="1200" dirty="0"/>
-              <a:t>， </a:t>
-            </a:r>
-            <a:r>
-              <a:rPr lang="en-US" altLang="zh-CN" sz="1200" dirty="0"/>
-              <a:t>write anywhere</a:t>
-            </a:r>
-            <a:r>
-              <a:rPr lang="zh-CN" altLang="en-US" sz="1200" dirty="0"/>
-              <a:t>。人家可</a:t>
-            </a:r>
-            <a:r>
-              <a:rPr lang="en-US" altLang="zh-CN" sz="1200" dirty="0"/>
+            <a:r>
+              <a:rPr lang="zh-CN" altLang="en-US" sz="1200" dirty="0"/>
+              <a:t>不是</a:t>
+            </a:r>
+            <a:r>
+              <a:rPr lang="en-US" altLang="zh-CN" sz="1200" dirty="0" smtClean="0"/>
               <a:t>run </a:t>
             </a:r>
             <a:r>
@@ -12461,7 +12185,15 @@
             </a:r>
             <a:r>
               <a:rPr lang="zh-CN" altLang="en-US" sz="1200" dirty="0"/>
-              <a:t>。就是针对不同的 平台需要些多套代码。</a:t>
+              <a:t>。就是针对不同</a:t>
+            </a:r>
+            <a:r>
+              <a:rPr lang="zh-CN" altLang="en-US" sz="1200" dirty="0" smtClean="0"/>
+              <a:t>的平台</a:t>
+            </a:r>
+            <a:r>
+              <a:rPr lang="zh-CN" altLang="en-US" sz="1200" dirty="0"/>
+              <a:t>需要些多套代码。</a:t>
             </a:r>
           </a:p>
         </p:txBody>

--- a/移动端开发分享.pptx
+++ b/移动端开发分享.pptx
@@ -5,10 +5,10 @@
     <p:sldMasterId id="2147483648" r:id="rId1"/>
   </p:sldMasterIdLst>
   <p:notesMasterIdLst>
-    <p:notesMasterId r:id="rId17"/>
+    <p:notesMasterId r:id="rId18"/>
   </p:notesMasterIdLst>
   <p:handoutMasterIdLst>
-    <p:handoutMasterId r:id="rId18"/>
+    <p:handoutMasterId r:id="rId19"/>
   </p:handoutMasterIdLst>
   <p:sldIdLst>
     <p:sldId id="385" r:id="rId2"/>
@@ -18,19 +18,20 @@
     <p:sldId id="411" r:id="rId6"/>
     <p:sldId id="419" r:id="rId7"/>
     <p:sldId id="437" r:id="rId8"/>
-    <p:sldId id="438" r:id="rId9"/>
-    <p:sldId id="439" r:id="rId10"/>
-    <p:sldId id="440" r:id="rId11"/>
-    <p:sldId id="441" r:id="rId12"/>
-    <p:sldId id="321" r:id="rId13"/>
-    <p:sldId id="430" r:id="rId14"/>
-    <p:sldId id="442" r:id="rId15"/>
-    <p:sldId id="318" r:id="rId16"/>
+    <p:sldId id="443" r:id="rId9"/>
+    <p:sldId id="438" r:id="rId10"/>
+    <p:sldId id="439" r:id="rId11"/>
+    <p:sldId id="440" r:id="rId12"/>
+    <p:sldId id="441" r:id="rId13"/>
+    <p:sldId id="321" r:id="rId14"/>
+    <p:sldId id="430" r:id="rId15"/>
+    <p:sldId id="442" r:id="rId16"/>
+    <p:sldId id="318" r:id="rId17"/>
   </p:sldIdLst>
   <p:sldSz cx="9144000" cy="5143500" type="screen16x9"/>
   <p:notesSz cx="6858000" cy="9144000"/>
   <p:custDataLst>
-    <p:tags r:id="rId19"/>
+    <p:tags r:id="rId20"/>
   </p:custDataLst>
   <p:defaultTextStyle>
     <a:defPPr>
@@ -243,7 +244,7 @@
             <a:fld id="{2353A075-29DF-4CAE-8BA7-CDA0ED456C88}" type="datetimeFigureOut">
               <a:rPr lang="zh-CN" altLang="en-US" smtClean="0"/>
               <a:pPr/>
-              <a:t>2019/10/15</a:t>
+              <a:t>2019/10/16</a:t>
             </a:fld>
             <a:endParaRPr lang="zh-CN" altLang="en-US"/>
           </a:p>
@@ -410,7 +411,7 @@
             <a:fld id="{6A2B73EA-EE91-4E33-A9C1-8BF5DD7139A2}" type="datetimeFigureOut">
               <a:rPr lang="zh-CN" altLang="en-US" smtClean="0"/>
               <a:pPr/>
-              <a:t>2019/10/15</a:t>
+              <a:t>2019/10/16</a:t>
             </a:fld>
             <a:endParaRPr lang="zh-CN" altLang="en-US"/>
           </a:p>
@@ -838,7 +839,7 @@
     </p:spTree>
     <p:extLst>
       <p:ext uri="{BB962C8B-B14F-4D97-AF65-F5344CB8AC3E}">
-        <p14:creationId xmlns:p14="http://schemas.microsoft.com/office/powerpoint/2010/main" val="559127376"/>
+        <p14:creationId xmlns:p14="http://schemas.microsoft.com/office/powerpoint/2010/main" val="3172766580"/>
       </p:ext>
     </p:extLst>
   </p:cSld>
@@ -923,7 +924,7 @@
     </p:spTree>
     <p:extLst>
       <p:ext uri="{BB962C8B-B14F-4D97-AF65-F5344CB8AC3E}">
-        <p14:creationId xmlns:p14="http://schemas.microsoft.com/office/powerpoint/2010/main" val="1913493914"/>
+        <p14:creationId xmlns:p14="http://schemas.microsoft.com/office/powerpoint/2010/main" val="559127376"/>
       </p:ext>
     </p:extLst>
   </p:cSld>
@@ -999,7 +1000,92 @@
             <a:fld id="{7392B679-AE23-4750-8FB0-6513430B8953}" type="slidenum">
               <a:rPr lang="zh-CN" altLang="en-US" smtClean="0"/>
               <a:pPr/>
-              <a:t>15</a:t>
+              <a:t>13</a:t>
+            </a:fld>
+            <a:endParaRPr lang="zh-CN" altLang="en-US"/>
+          </a:p>
+        </p:txBody>
+      </p:sp>
+    </p:spTree>
+    <p:extLst>
+      <p:ext uri="{BB962C8B-B14F-4D97-AF65-F5344CB8AC3E}">
+        <p14:creationId xmlns:p14="http://schemas.microsoft.com/office/powerpoint/2010/main" val="1913493914"/>
+      </p:ext>
+    </p:extLst>
+  </p:cSld>
+  <p:clrMapOvr>
+    <a:masterClrMapping/>
+  </p:clrMapOvr>
+</p:notes>
+</file>
+
+<file path=ppt/notesSlides/notesSlide13.xml><?xml version="1.0" encoding="utf-8"?>
+<p:notes xmlns:a="http://schemas.openxmlformats.org/drawingml/2006/main" xmlns:r="http://schemas.openxmlformats.org/officeDocument/2006/relationships" xmlns:p="http://schemas.openxmlformats.org/presentationml/2006/main">
+  <p:cSld>
+    <p:spTree>
+      <p:nvGrpSpPr>
+        <p:cNvPr id="1" name=""/>
+        <p:cNvGrpSpPr/>
+        <p:nvPr/>
+      </p:nvGrpSpPr>
+      <p:grpSpPr>
+        <a:xfrm>
+          <a:off x="0" y="0"/>
+          <a:ext cx="0" cy="0"/>
+          <a:chOff x="0" y="0"/>
+          <a:chExt cx="0" cy="0"/>
+        </a:xfrm>
+      </p:grpSpPr>
+      <p:sp>
+        <p:nvSpPr>
+          <p:cNvPr id="2" name="幻灯片图像占位符 1"/>
+          <p:cNvSpPr>
+            <a:spLocks noGrp="1" noRot="1" noChangeAspect="1"/>
+          </p:cNvSpPr>
+          <p:nvPr>
+            <p:ph type="sldImg"/>
+          </p:nvPr>
+        </p:nvSpPr>
+        <p:spPr/>
+      </p:sp>
+      <p:sp>
+        <p:nvSpPr>
+          <p:cNvPr id="3" name="备注占位符 2"/>
+          <p:cNvSpPr>
+            <a:spLocks noGrp="1"/>
+          </p:cNvSpPr>
+          <p:nvPr>
+            <p:ph type="body" idx="1"/>
+          </p:nvPr>
+        </p:nvSpPr>
+        <p:spPr/>
+        <p:txBody>
+          <a:bodyPr/>
+          <a:lstStyle/>
+          <a:p>
+            <a:endParaRPr lang="zh-CN" altLang="en-US"/>
+          </a:p>
+        </p:txBody>
+      </p:sp>
+      <p:sp>
+        <p:nvSpPr>
+          <p:cNvPr id="4" name="灯片编号占位符 3"/>
+          <p:cNvSpPr>
+            <a:spLocks noGrp="1"/>
+          </p:cNvSpPr>
+          <p:nvPr>
+            <p:ph type="sldNum" sz="quarter" idx="10"/>
+          </p:nvPr>
+        </p:nvSpPr>
+        <p:spPr/>
+        <p:txBody>
+          <a:bodyPr/>
+          <a:lstStyle/>
+          <a:p>
+            <a:fld id="{7392B679-AE23-4750-8FB0-6513430B8953}" type="slidenum">
+              <a:rPr lang="zh-CN" altLang="en-US" smtClean="0"/>
+              <a:pPr/>
+              <a:t>16</a:t>
             </a:fld>
             <a:endParaRPr lang="zh-CN" altLang="en-US"/>
           </a:p>
@@ -1518,7 +1604,7 @@
     </p:spTree>
     <p:extLst>
       <p:ext uri="{BB962C8B-B14F-4D97-AF65-F5344CB8AC3E}">
-        <p14:creationId xmlns:p14="http://schemas.microsoft.com/office/powerpoint/2010/main" val="592981401"/>
+        <p14:creationId xmlns:p14="http://schemas.microsoft.com/office/powerpoint/2010/main" val="1479605733"/>
       </p:ext>
     </p:extLst>
   </p:cSld>
@@ -1603,7 +1689,7 @@
     </p:spTree>
     <p:extLst>
       <p:ext uri="{BB962C8B-B14F-4D97-AF65-F5344CB8AC3E}">
-        <p14:creationId xmlns:p14="http://schemas.microsoft.com/office/powerpoint/2010/main" val="3369419847"/>
+        <p14:creationId xmlns:p14="http://schemas.microsoft.com/office/powerpoint/2010/main" val="592981401"/>
       </p:ext>
     </p:extLst>
   </p:cSld>
@@ -1688,7 +1774,7 @@
     </p:spTree>
     <p:extLst>
       <p:ext uri="{BB962C8B-B14F-4D97-AF65-F5344CB8AC3E}">
-        <p14:creationId xmlns:p14="http://schemas.microsoft.com/office/powerpoint/2010/main" val="3172766580"/>
+        <p14:creationId xmlns:p14="http://schemas.microsoft.com/office/powerpoint/2010/main" val="3369419847"/>
       </p:ext>
     </p:extLst>
   </p:cSld>
@@ -1876,7 +1962,7 @@
             <a:fld id="{530820CF-B880-4189-942D-D702A7CBA730}" type="datetimeFigureOut">
               <a:rPr lang="zh-CN" altLang="en-US" smtClean="0"/>
               <a:pPr/>
-              <a:t>2019/10/15</a:t>
+              <a:t>2019/10/16</a:t>
             </a:fld>
             <a:endParaRPr lang="zh-CN" altLang="en-US"/>
           </a:p>
@@ -1980,7 +2066,7 @@
             <a:fld id="{530820CF-B880-4189-942D-D702A7CBA730}" type="datetimeFigureOut">
               <a:rPr lang="zh-CN" altLang="en-US" smtClean="0"/>
               <a:pPr/>
-              <a:t>2019/10/15</a:t>
+              <a:t>2019/10/16</a:t>
             </a:fld>
             <a:endParaRPr lang="zh-CN" altLang="en-US"/>
           </a:p>
@@ -2209,7 +2295,7 @@
             <a:fld id="{530820CF-B880-4189-942D-D702A7CBA730}" type="datetimeFigureOut">
               <a:rPr lang="zh-CN" altLang="en-US" smtClean="0"/>
               <a:pPr/>
-              <a:t>2019/10/15</a:t>
+              <a:t>2019/10/16</a:t>
             </a:fld>
             <a:endParaRPr lang="zh-CN" altLang="en-US"/>
           </a:p>
@@ -3311,7 +3397,7 @@
           <p:cNvPr id="6" name="图片 5">
             <a:extLst>
               <a:ext uri="{FF2B5EF4-FFF2-40B4-BE49-F238E27FC236}">
-                <a16:creationId xmlns="" xmlns:a16="http://schemas.microsoft.com/office/drawing/2014/main" id="{4D763E8D-455D-463E-A0D0-030C158C6293}"/>
+                <a16:creationId xmlns:a16="http://schemas.microsoft.com/office/drawing/2014/main" xmlns="" id="{4D763E8D-455D-463E-A0D0-030C158C6293}"/>
               </a:ext>
             </a:extLst>
           </p:cNvPr>
@@ -3764,7 +3850,7 @@
         <p:spPr>
           <a:xfrm>
             <a:off x="827584" y="771550"/>
-            <a:ext cx="6624736" cy="2123658"/>
+            <a:ext cx="6624736" cy="1754326"/>
           </a:xfrm>
           <a:prstGeom prst="rect">
             <a:avLst/>
@@ -3778,187 +3864,306 @@
           <a:lstStyle/>
           <a:p>
             <a:r>
-              <a:rPr lang="en-US" altLang="zh-CN" sz="1200" b="1" dirty="0"/>
-              <a:t>Flutter</a:t>
-            </a:r>
+              <a:rPr lang="en-US" altLang="zh-CN" sz="1200" b="1" dirty="0" smtClean="0"/>
+              <a:t>Cordova</a:t>
+            </a:r>
+            <a:endParaRPr lang="en-US" altLang="zh-CN" sz="1200" b="1" dirty="0"/>
           </a:p>
           <a:p>
             <a:r>
               <a:rPr lang="zh-CN" altLang="en-US" sz="1200" b="1" dirty="0"/>
-              <a:t>优势</a:t>
-            </a:r>
-            <a:r>
-              <a:rPr lang="zh-CN" altLang="en-US" sz="1200" dirty="0"/>
-              <a:t>：</a:t>
-            </a:r>
-          </a:p>
-          <a:p>
-            <a:r>
-              <a:rPr lang="zh-CN" altLang="en-US" sz="1200" dirty="0"/>
-              <a:t>高生产效率。一套代码可以开发出</a:t>
-            </a:r>
-            <a:r>
-              <a:rPr lang="en-US" altLang="zh-CN" sz="1200" dirty="0"/>
-              <a:t>Android</a:t>
-            </a:r>
-            <a:r>
-              <a:rPr lang="zh-CN" altLang="en-US" sz="1200" dirty="0"/>
-              <a:t>和</a:t>
-            </a:r>
-            <a:r>
-              <a:rPr lang="en-US" altLang="zh-CN" sz="1200" dirty="0"/>
-              <a:t>iOS</a:t>
-            </a:r>
-            <a:r>
-              <a:rPr lang="zh-CN" altLang="en-US" sz="1200" dirty="0"/>
-              <a:t>应用；</a:t>
-            </a:r>
-            <a:r>
-              <a:rPr lang="en-US" altLang="zh-CN" sz="1200" dirty="0"/>
-              <a:t>Dart</a:t>
-            </a:r>
-            <a:r>
-              <a:rPr lang="zh-CN" altLang="en-US" sz="1200" dirty="0"/>
-              <a:t>语 言优越性，使得同样的 功能只需要很少的代码；迭代更加方便， </a:t>
-            </a:r>
-            <a:r>
-              <a:rPr lang="en-US" altLang="zh-CN" sz="1200" dirty="0"/>
-              <a:t>hot reload</a:t>
-            </a:r>
-            <a:r>
-              <a:rPr lang="zh-CN" altLang="en-US" sz="1200" dirty="0"/>
-              <a:t>功能；</a:t>
-            </a:r>
-          </a:p>
-          <a:p>
-            <a:r>
-              <a:rPr lang="zh-CN" altLang="en-US" sz="1200" dirty="0"/>
-              <a:t>创建优雅的、高度可定制的用户界面。</a:t>
-            </a:r>
-            <a:r>
-              <a:rPr lang="en-US" altLang="zh-CN" sz="1200" dirty="0"/>
-              <a:t>Flutter</a:t>
-            </a:r>
-            <a:r>
-              <a:rPr lang="zh-CN" altLang="en-US" sz="1200" dirty="0"/>
-              <a:t>内置了对</a:t>
-            </a:r>
-            <a:r>
-              <a:rPr lang="en-US" altLang="zh-CN" sz="1200" dirty="0"/>
-              <a:t>Material Design</a:t>
-            </a:r>
-            <a:r>
-              <a:rPr lang="zh-CN" altLang="en-US" sz="1200" dirty="0"/>
-              <a:t>和</a:t>
-            </a:r>
-            <a:r>
-              <a:rPr lang="en-US" altLang="zh-CN" sz="1200" dirty="0"/>
-              <a:t>Cupertino</a:t>
-            </a:r>
-            <a:r>
-              <a:rPr lang="zh-CN" altLang="en-US" sz="1200" dirty="0"/>
-              <a:t>（</a:t>
-            </a:r>
-            <a:r>
-              <a:rPr lang="en-US" altLang="zh-CN" sz="1200" dirty="0"/>
-              <a:t>iOS-favor</a:t>
-            </a:r>
-            <a:r>
-              <a:rPr lang="zh-CN" altLang="en-US" sz="1200" dirty="0"/>
-              <a:t>）的</a:t>
-            </a:r>
-            <a:r>
-              <a:rPr lang="en-US" altLang="zh-CN" sz="1200" dirty="0"/>
-              <a:t>UI</a:t>
-            </a:r>
-            <a:r>
-              <a:rPr lang="zh-CN" altLang="en-US" sz="1200" dirty="0"/>
-              <a:t>组件库；提供了可定制 的</a:t>
-            </a:r>
-            <a:r>
-              <a:rPr lang="en-US" altLang="zh-CN" sz="1200" dirty="0"/>
-              <a:t>UI</a:t>
-            </a:r>
-            <a:r>
-              <a:rPr lang="zh-CN" altLang="en-US" sz="1200" dirty="0" smtClean="0"/>
-              <a:t>组件；</a:t>
+              <a:t>优势：</a:t>
             </a:r>
             <a:endParaRPr lang="zh-CN" altLang="en-US" sz="1200" dirty="0"/>
           </a:p>
           <a:p>
             <a:r>
-              <a:rPr lang="zh-CN" altLang="en-US" sz="1200" dirty="0"/>
-              <a:t>借助可移植的</a:t>
-            </a:r>
-            <a:r>
-              <a:rPr lang="en-US" altLang="zh-CN" sz="1200" dirty="0"/>
-              <a:t>GPU</a:t>
-            </a:r>
-            <a:r>
-              <a:rPr lang="zh-CN" altLang="en-US" sz="1200" dirty="0"/>
-              <a:t>加速的渲染引擎以及高性能本地</a:t>
-            </a:r>
-            <a:r>
-              <a:rPr lang="en-US" altLang="zh-CN" sz="1200" dirty="0"/>
-              <a:t>ARM</a:t>
-            </a:r>
-            <a:r>
-              <a:rPr lang="zh-CN" altLang="en-US" sz="1200" dirty="0"/>
-              <a:t>代码</a:t>
+              <a:rPr lang="en-US" altLang="zh-CN" sz="1200" dirty="0"/>
+              <a:t>iOS</a:t>
+            </a:r>
+            <a:r>
+              <a:rPr lang="zh-CN" altLang="en-US" sz="1200" dirty="0"/>
+              <a:t>和</a:t>
+            </a:r>
+            <a:r>
+              <a:rPr lang="en-US" altLang="zh-CN" sz="1200" dirty="0"/>
+              <a:t>Android</a:t>
+            </a:r>
+            <a:r>
+              <a:rPr lang="zh-CN" altLang="en-US" sz="1200" dirty="0"/>
+              <a:t>基本上可以共用代码，纯</a:t>
+            </a:r>
+            <a:r>
+              <a:rPr lang="en-US" altLang="zh-CN" sz="1200" dirty="0"/>
+              <a:t>web</a:t>
+            </a:r>
+            <a:r>
+              <a:rPr lang="zh-CN" altLang="en-US" sz="1200" dirty="0"/>
+              <a:t>思维，开发速度快， 简单方便，一次编码，到处运行。如果熟悉</a:t>
+            </a:r>
+            <a:r>
+              <a:rPr lang="en-US" altLang="zh-CN" sz="1200" dirty="0"/>
+              <a:t>web</a:t>
+            </a:r>
+            <a:r>
+              <a:rPr lang="zh-CN" altLang="en-US" sz="1200" dirty="0"/>
+              <a:t>开发，文档很全， 系统级支持封装较好，所有</a:t>
+            </a:r>
+            <a:r>
+              <a:rPr lang="en-US" altLang="zh-CN" sz="1200" dirty="0"/>
+              <a:t>UI</a:t>
+            </a:r>
+            <a:r>
+              <a:rPr lang="zh-CN" altLang="en-US" sz="1200" dirty="0"/>
+              <a:t>组件都是有</a:t>
+            </a:r>
+            <a:r>
+              <a:rPr lang="en-US" altLang="zh-CN" sz="1200" dirty="0"/>
+              <a:t>html</a:t>
+            </a:r>
+            <a:r>
+              <a:rPr lang="zh-CN" altLang="en-US" sz="1200" dirty="0"/>
+              <a:t>模拟，可以统一 使用</a:t>
             </a:r>
             <a:r>
               <a:rPr lang="zh-CN" altLang="en-US" sz="1200" dirty="0" smtClean="0"/>
-              <a:t>运行以</a:t>
-            </a:r>
-            <a:r>
-              <a:rPr lang="zh-CN" altLang="en-US" sz="1200" dirty="0"/>
-              <a:t>达到跨平台的高质量用户体验。</a:t>
+              <a:t>。可</a:t>
+            </a:r>
+            <a:r>
+              <a:rPr lang="zh-CN" altLang="en-US" sz="1200" dirty="0"/>
+              <a:t>实现在线更新，允许动态加载</a:t>
+            </a:r>
+            <a:r>
+              <a:rPr lang="en-US" altLang="zh-CN" sz="1200" dirty="0"/>
+              <a:t>web </a:t>
+            </a:r>
+            <a:r>
+              <a:rPr lang="en-US" altLang="zh-CN" sz="1200" dirty="0" err="1" smtClean="0"/>
+              <a:t>js</a:t>
+            </a:r>
+            <a:r>
+              <a:rPr lang="zh-CN" altLang="en-US" sz="1200" dirty="0"/>
+              <a:t>，</a:t>
+            </a:r>
+            <a:r>
+              <a:rPr lang="zh-CN" altLang="en-US" sz="1200" dirty="0" smtClean="0"/>
+              <a:t>文档</a:t>
+            </a:r>
+            <a:r>
+              <a:rPr lang="zh-CN" altLang="en-US" sz="1200" dirty="0"/>
+              <a:t>多，开发者多，遇到问题容易解决，技术成熟</a:t>
             </a:r>
           </a:p>
           <a:p>
             <a:r>
               <a:rPr lang="zh-CN" altLang="en-US" sz="1200" b="1" dirty="0"/>
-              <a:t>劣势</a:t>
-            </a:r>
-            <a:r>
-              <a:rPr lang="zh-CN" altLang="en-US" sz="1200" dirty="0"/>
-              <a:t>：</a:t>
-            </a:r>
+              <a:t>劣势：</a:t>
+            </a:r>
+            <a:endParaRPr lang="zh-CN" altLang="en-US" sz="1200" dirty="0"/>
           </a:p>
           <a:p>
             <a:r>
-              <a:rPr lang="en-US" altLang="zh-CN" sz="1200" dirty="0"/>
-              <a:t>Flutter</a:t>
-            </a:r>
-            <a:r>
-              <a:rPr lang="zh-CN" altLang="en-US" sz="1200" dirty="0"/>
-              <a:t>采用</a:t>
-            </a:r>
-            <a:r>
-              <a:rPr lang="en-US" altLang="zh-CN" sz="1200" dirty="0"/>
-              <a:t>Dart</a:t>
-            </a:r>
-            <a:r>
-              <a:rPr lang="zh-CN" altLang="en-US" sz="1200" dirty="0"/>
-              <a:t>语言开发，属于小众语言，需要一切都要重新 学习。</a:t>
+              <a:rPr lang="zh-CN" altLang="en-US" sz="1200" dirty="0"/>
+              <a:t>占用内存高一些，不适合做游戏类型</a:t>
+            </a:r>
+            <a:r>
+              <a:rPr lang="en-US" altLang="zh-CN" sz="1200" dirty="0"/>
+              <a:t>app, web</a:t>
+            </a:r>
+            <a:r>
+              <a:rPr lang="zh-CN" altLang="en-US" sz="1200" dirty="0"/>
+              <a:t>技术午无法解决一 切问题，对于比较耗能的地方无法利用</a:t>
+            </a:r>
+            <a:r>
+              <a:rPr lang="en-US" altLang="zh-CN" sz="1200" dirty="0"/>
+              <a:t>native</a:t>
+            </a:r>
+            <a:r>
+              <a:rPr lang="zh-CN" altLang="en-US" sz="1200" dirty="0"/>
+              <a:t>的思维实现优势互 补，如高体验的交互，动画等。</a:t>
+            </a:r>
+          </a:p>
+        </p:txBody>
+      </p:sp>
+      <p:sp>
+        <p:nvSpPr>
+          <p:cNvPr id="4" name="文本框 3"/>
+          <p:cNvSpPr txBox="1"/>
+          <p:nvPr/>
+        </p:nvSpPr>
+        <p:spPr>
+          <a:xfrm>
+            <a:off x="827584" y="2599040"/>
+            <a:ext cx="6624736" cy="1938992"/>
+          </a:xfrm>
+          <a:prstGeom prst="rect">
+            <a:avLst/>
+          </a:prstGeom>
+          <a:noFill/>
+        </p:spPr>
+        <p:txBody>
+          <a:bodyPr wrap="square" rtlCol="0">
+            <a:spAutoFit/>
+          </a:bodyPr>
+          <a:lstStyle/>
+          <a:p>
+            <a:r>
+              <a:rPr lang="en-US" altLang="zh-CN" sz="1200" b="1" dirty="0"/>
+              <a:t>React Native</a:t>
             </a:r>
           </a:p>
           <a:p>
             <a:r>
-              <a:rPr lang="en-US" altLang="zh-CN" sz="1200" dirty="0"/>
-              <a:t>Flutter</a:t>
-            </a:r>
-            <a:r>
-              <a:rPr lang="zh-CN" altLang="en-US" sz="1200" dirty="0"/>
-              <a:t>现在还处在</a:t>
-            </a:r>
-            <a:r>
-              <a:rPr lang="en-US" altLang="zh-CN" sz="1200" dirty="0"/>
-              <a:t>Beta</a:t>
-            </a:r>
-            <a:r>
-              <a:rPr lang="zh-CN" altLang="en-US" sz="1200" dirty="0"/>
-              <a:t>阶段，第三方库很少。</a:t>
+              <a:rPr lang="zh-CN" altLang="en-US" sz="1200" b="1" dirty="0"/>
+              <a:t>优势：</a:t>
+            </a:r>
+            <a:endParaRPr lang="zh-CN" altLang="en-US" sz="1200" dirty="0"/>
+          </a:p>
+          <a:p>
+            <a:r>
+              <a:rPr lang="zh-CN" altLang="en-US" sz="1200" dirty="0"/>
+              <a:t>虽然不能做到一次编码到处运行，但是基本上即使是两套代码， 也是相同的</a:t>
+            </a:r>
+            <a:r>
+              <a:rPr lang="en-US" altLang="zh-CN" sz="1200" dirty="0" err="1"/>
+              <a:t>jsx</a:t>
+            </a:r>
+            <a:r>
+              <a:rPr lang="zh-CN" altLang="en-US" sz="1200" dirty="0"/>
+              <a:t>语法， 使用</a:t>
+            </a:r>
+            <a:r>
+              <a:rPr lang="en-US" altLang="zh-CN" sz="1200" dirty="0" err="1"/>
+              <a:t>js</a:t>
+            </a:r>
+            <a:r>
+              <a:rPr lang="zh-CN" altLang="en-US" sz="1200" dirty="0"/>
+              <a:t>进行开发。用户体验高于</a:t>
+            </a:r>
+            <a:r>
+              <a:rPr lang="en-US" altLang="zh-CN" sz="1200" dirty="0"/>
+              <a:t>html</a:t>
+            </a:r>
+            <a:r>
+              <a:rPr lang="zh-CN" altLang="en-US" sz="1200" dirty="0"/>
+              <a:t>， 开发效率较高</a:t>
+            </a:r>
+          </a:p>
+          <a:p>
+            <a:r>
+              <a:rPr lang="en-US" altLang="zh-CN" sz="1200" dirty="0" err="1"/>
+              <a:t>Flexbox</a:t>
+            </a:r>
+            <a:r>
+              <a:rPr lang="zh-CN" altLang="en-US" sz="1200" dirty="0"/>
+              <a:t>布局据说比</a:t>
+            </a:r>
+            <a:r>
+              <a:rPr lang="en-US" altLang="zh-CN" sz="1200" dirty="0"/>
+              <a:t>native</a:t>
+            </a:r>
+            <a:r>
+              <a:rPr lang="zh-CN" altLang="en-US" sz="1200" dirty="0"/>
+              <a:t>的自适应布局更加简单</a:t>
+            </a:r>
+            <a:r>
+              <a:rPr lang="zh-CN" altLang="en-US" sz="1200" dirty="0" smtClean="0"/>
+              <a:t>高效，更</a:t>
+            </a:r>
+            <a:r>
+              <a:rPr lang="zh-CN" altLang="en-US" sz="1200" dirty="0"/>
+              <a:t>贴近于原生开发</a:t>
+            </a:r>
+          </a:p>
+          <a:p>
+            <a:r>
+              <a:rPr lang="zh-CN" altLang="en-US" sz="1200" b="1" dirty="0"/>
+              <a:t>劣势</a:t>
+            </a:r>
+            <a:r>
+              <a:rPr lang="zh-CN" altLang="en-US" sz="1200" dirty="0"/>
+              <a:t>：</a:t>
+            </a:r>
+          </a:p>
+          <a:p>
+            <a:r>
+              <a:rPr lang="zh-CN" altLang="en-US" sz="1200" dirty="0"/>
+              <a:t>对开发人员要求较高，不是懂点</a:t>
+            </a:r>
+            <a:r>
+              <a:rPr lang="en-US" altLang="zh-CN" sz="1200" dirty="0"/>
+              <a:t>web</a:t>
+            </a:r>
+            <a:r>
+              <a:rPr lang="zh-CN" altLang="en-US" sz="1200" dirty="0"/>
+              <a:t>技术就行的，当官方封装的 控件、</a:t>
+            </a:r>
+            <a:r>
+              <a:rPr lang="en-US" altLang="zh-CN" sz="1200" dirty="0"/>
+              <a:t>API</a:t>
+            </a:r>
+            <a:r>
+              <a:rPr lang="zh-CN" altLang="en-US" sz="1200" dirty="0"/>
+              <a:t>无法满足需 求时就必然需要懂一些</a:t>
+            </a:r>
+            <a:r>
+              <a:rPr lang="en-US" altLang="zh-CN" sz="1200" dirty="0"/>
+              <a:t>native</a:t>
+            </a:r>
+            <a:r>
+              <a:rPr lang="zh-CN" altLang="en-US" sz="1200" dirty="0"/>
+              <a:t>的东西</a:t>
+            </a:r>
+            <a:r>
+              <a:rPr lang="zh-CN" altLang="en-US" sz="1200" dirty="0" smtClean="0"/>
+              <a:t>去扩展。</a:t>
+            </a:r>
+            <a:endParaRPr lang="zh-CN" altLang="en-US" sz="1200" dirty="0"/>
+          </a:p>
+          <a:p>
+            <a:r>
+              <a:rPr lang="zh-CN" altLang="en-US" sz="1200" dirty="0"/>
+              <a:t>官方说的很隐晦：</a:t>
+            </a:r>
+            <a:r>
+              <a:rPr lang="en-US" altLang="zh-CN" sz="1200" dirty="0"/>
+              <a:t>learn once</a:t>
+            </a:r>
+            <a:r>
+              <a:rPr lang="zh-CN" altLang="en-US" sz="1200" dirty="0"/>
+              <a:t>， </a:t>
+            </a:r>
+            <a:r>
+              <a:rPr lang="en-US" altLang="zh-CN" sz="1200" dirty="0"/>
+              <a:t>write anywhere</a:t>
+            </a:r>
+            <a:r>
+              <a:rPr lang="zh-CN" altLang="en-US" sz="1200" dirty="0" smtClean="0"/>
+              <a:t>。</a:t>
+            </a:r>
+            <a:r>
+              <a:rPr lang="zh-CN" altLang="en-US" sz="1200" dirty="0"/>
+              <a:t>不是</a:t>
+            </a:r>
+            <a:r>
+              <a:rPr lang="en-US" altLang="zh-CN" sz="1200" dirty="0" smtClean="0"/>
+              <a:t>run </a:t>
+            </a:r>
+            <a:r>
+              <a:rPr lang="en-US" altLang="zh-CN" sz="1200" dirty="0" err="1"/>
+              <a:t>anwhere</a:t>
+            </a:r>
+            <a:r>
+              <a:rPr lang="zh-CN" altLang="en-US" sz="1200" dirty="0"/>
+              <a:t>。就是针对不同</a:t>
+            </a:r>
+            <a:r>
+              <a:rPr lang="zh-CN" altLang="en-US" sz="1200" dirty="0" smtClean="0"/>
+              <a:t>的平台</a:t>
+            </a:r>
+            <a:r>
+              <a:rPr lang="zh-CN" altLang="en-US" sz="1200" dirty="0"/>
+              <a:t>需要些多套代码。</a:t>
             </a:r>
           </a:p>
         </p:txBody>
@@ -3966,7 +4171,7 @@
     </p:spTree>
     <p:extLst>
       <p:ext uri="{BB962C8B-B14F-4D97-AF65-F5344CB8AC3E}">
-        <p14:creationId xmlns:p14="http://schemas.microsoft.com/office/powerpoint/2010/main" val="4287168988"/>
+        <p14:creationId xmlns:p14="http://schemas.microsoft.com/office/powerpoint/2010/main" val="1844906785"/>
       </p:ext>
     </p:extLst>
   </p:cSld>
@@ -4061,6 +4266,326 @@
                 <a:cs typeface="+mn-ea"/>
                 <a:sym typeface="+mn-lt"/>
               </a:rPr>
+              <a:t>跨平台技术对比</a:t>
+            </a:r>
+            <a:endParaRPr lang="en-GB" altLang="zh-CN" sz="1800" dirty="0">
+              <a:solidFill>
+                <a:srgbClr val="333333"/>
+              </a:solidFill>
+              <a:latin typeface="+mn-lt"/>
+              <a:ea typeface="+mn-ea"/>
+              <a:cs typeface="+mn-ea"/>
+              <a:sym typeface="+mn-lt"/>
+            </a:endParaRPr>
+          </a:p>
+        </p:txBody>
+      </p:sp>
+      <p:sp>
+        <p:nvSpPr>
+          <p:cNvPr id="85" name="文本框 84"/>
+          <p:cNvSpPr txBox="1"/>
+          <p:nvPr/>
+        </p:nvSpPr>
+        <p:spPr>
+          <a:xfrm>
+            <a:off x="827584" y="771550"/>
+            <a:ext cx="6624736" cy="2123658"/>
+          </a:xfrm>
+          <a:prstGeom prst="rect">
+            <a:avLst/>
+          </a:prstGeom>
+          <a:noFill/>
+        </p:spPr>
+        <p:txBody>
+          <a:bodyPr wrap="square" rtlCol="0">
+            <a:spAutoFit/>
+          </a:bodyPr>
+          <a:lstStyle/>
+          <a:p>
+            <a:r>
+              <a:rPr lang="en-US" altLang="zh-CN" sz="1200" b="1" dirty="0"/>
+              <a:t>Flutter</a:t>
+            </a:r>
+          </a:p>
+          <a:p>
+            <a:r>
+              <a:rPr lang="zh-CN" altLang="en-US" sz="1200" b="1" dirty="0"/>
+              <a:t>优势</a:t>
+            </a:r>
+            <a:r>
+              <a:rPr lang="zh-CN" altLang="en-US" sz="1200" dirty="0"/>
+              <a:t>：</a:t>
+            </a:r>
+          </a:p>
+          <a:p>
+            <a:r>
+              <a:rPr lang="zh-CN" altLang="en-US" sz="1200" dirty="0"/>
+              <a:t>高生产效率。一套代码可以开发出</a:t>
+            </a:r>
+            <a:r>
+              <a:rPr lang="en-US" altLang="zh-CN" sz="1200" dirty="0"/>
+              <a:t>Android</a:t>
+            </a:r>
+            <a:r>
+              <a:rPr lang="zh-CN" altLang="en-US" sz="1200" dirty="0"/>
+              <a:t>和</a:t>
+            </a:r>
+            <a:r>
+              <a:rPr lang="en-US" altLang="zh-CN" sz="1200" dirty="0"/>
+              <a:t>iOS</a:t>
+            </a:r>
+            <a:r>
+              <a:rPr lang="zh-CN" altLang="en-US" sz="1200" dirty="0"/>
+              <a:t>应用；</a:t>
+            </a:r>
+            <a:r>
+              <a:rPr lang="en-US" altLang="zh-CN" sz="1200" dirty="0"/>
+              <a:t>Dart</a:t>
+            </a:r>
+            <a:r>
+              <a:rPr lang="zh-CN" altLang="en-US" sz="1200" dirty="0"/>
+              <a:t>语 言优越性，使得同样的 功能只需要很少的代码；迭代更加方便， </a:t>
+            </a:r>
+            <a:r>
+              <a:rPr lang="en-US" altLang="zh-CN" sz="1200" dirty="0"/>
+              <a:t>hot reload</a:t>
+            </a:r>
+            <a:r>
+              <a:rPr lang="zh-CN" altLang="en-US" sz="1200" dirty="0"/>
+              <a:t>功能；</a:t>
+            </a:r>
+          </a:p>
+          <a:p>
+            <a:r>
+              <a:rPr lang="zh-CN" altLang="en-US" sz="1200" dirty="0"/>
+              <a:t>创建优雅的、高度可定制的用户界面。</a:t>
+            </a:r>
+            <a:r>
+              <a:rPr lang="en-US" altLang="zh-CN" sz="1200" dirty="0"/>
+              <a:t>Flutter</a:t>
+            </a:r>
+            <a:r>
+              <a:rPr lang="zh-CN" altLang="en-US" sz="1200" dirty="0"/>
+              <a:t>内置了对</a:t>
+            </a:r>
+            <a:r>
+              <a:rPr lang="en-US" altLang="zh-CN" sz="1200" dirty="0"/>
+              <a:t>Material Design</a:t>
+            </a:r>
+            <a:r>
+              <a:rPr lang="zh-CN" altLang="en-US" sz="1200" dirty="0"/>
+              <a:t>和</a:t>
+            </a:r>
+            <a:r>
+              <a:rPr lang="en-US" altLang="zh-CN" sz="1200" dirty="0"/>
+              <a:t>Cupertino</a:t>
+            </a:r>
+            <a:r>
+              <a:rPr lang="zh-CN" altLang="en-US" sz="1200" dirty="0"/>
+              <a:t>（</a:t>
+            </a:r>
+            <a:r>
+              <a:rPr lang="en-US" altLang="zh-CN" sz="1200" dirty="0"/>
+              <a:t>iOS-favor</a:t>
+            </a:r>
+            <a:r>
+              <a:rPr lang="zh-CN" altLang="en-US" sz="1200" dirty="0"/>
+              <a:t>）的</a:t>
+            </a:r>
+            <a:r>
+              <a:rPr lang="en-US" altLang="zh-CN" sz="1200" dirty="0"/>
+              <a:t>UI</a:t>
+            </a:r>
+            <a:r>
+              <a:rPr lang="zh-CN" altLang="en-US" sz="1200" dirty="0"/>
+              <a:t>组件库；提供了可定制 的</a:t>
+            </a:r>
+            <a:r>
+              <a:rPr lang="en-US" altLang="zh-CN" sz="1200" dirty="0"/>
+              <a:t>UI</a:t>
+            </a:r>
+            <a:r>
+              <a:rPr lang="zh-CN" altLang="en-US" sz="1200" dirty="0" smtClean="0"/>
+              <a:t>组件；</a:t>
+            </a:r>
+            <a:endParaRPr lang="zh-CN" altLang="en-US" sz="1200" dirty="0"/>
+          </a:p>
+          <a:p>
+            <a:r>
+              <a:rPr lang="zh-CN" altLang="en-US" sz="1200" dirty="0"/>
+              <a:t>借助可移植的</a:t>
+            </a:r>
+            <a:r>
+              <a:rPr lang="en-US" altLang="zh-CN" sz="1200" dirty="0"/>
+              <a:t>GPU</a:t>
+            </a:r>
+            <a:r>
+              <a:rPr lang="zh-CN" altLang="en-US" sz="1200" dirty="0"/>
+              <a:t>加速的渲染引擎以及高性能本地</a:t>
+            </a:r>
+            <a:r>
+              <a:rPr lang="en-US" altLang="zh-CN" sz="1200" dirty="0"/>
+              <a:t>ARM</a:t>
+            </a:r>
+            <a:r>
+              <a:rPr lang="zh-CN" altLang="en-US" sz="1200" dirty="0"/>
+              <a:t>代码</a:t>
+            </a:r>
+            <a:r>
+              <a:rPr lang="zh-CN" altLang="en-US" sz="1200" dirty="0" smtClean="0"/>
+              <a:t>运行以</a:t>
+            </a:r>
+            <a:r>
+              <a:rPr lang="zh-CN" altLang="en-US" sz="1200" dirty="0"/>
+              <a:t>达到跨平台的高质量用户体验。</a:t>
+            </a:r>
+          </a:p>
+          <a:p>
+            <a:r>
+              <a:rPr lang="zh-CN" altLang="en-US" sz="1200" b="1" dirty="0"/>
+              <a:t>劣势</a:t>
+            </a:r>
+            <a:r>
+              <a:rPr lang="zh-CN" altLang="en-US" sz="1200" dirty="0"/>
+              <a:t>：</a:t>
+            </a:r>
+          </a:p>
+          <a:p>
+            <a:r>
+              <a:rPr lang="en-US" altLang="zh-CN" sz="1200" dirty="0"/>
+              <a:t>Flutter</a:t>
+            </a:r>
+            <a:r>
+              <a:rPr lang="zh-CN" altLang="en-US" sz="1200" dirty="0"/>
+              <a:t>采用</a:t>
+            </a:r>
+            <a:r>
+              <a:rPr lang="en-US" altLang="zh-CN" sz="1200" dirty="0"/>
+              <a:t>Dart</a:t>
+            </a:r>
+            <a:r>
+              <a:rPr lang="zh-CN" altLang="en-US" sz="1200" dirty="0"/>
+              <a:t>语言开发，属于小众语言，需要一切都要重新 学习。</a:t>
+            </a:r>
+          </a:p>
+          <a:p>
+            <a:r>
+              <a:rPr lang="en-US" altLang="zh-CN" sz="1200" dirty="0"/>
+              <a:t>Flutter</a:t>
+            </a:r>
+            <a:r>
+              <a:rPr lang="zh-CN" altLang="en-US" sz="1200" dirty="0"/>
+              <a:t>现在还处在</a:t>
+            </a:r>
+            <a:r>
+              <a:rPr lang="en-US" altLang="zh-CN" sz="1200" dirty="0"/>
+              <a:t>Beta</a:t>
+            </a:r>
+            <a:r>
+              <a:rPr lang="zh-CN" altLang="en-US" sz="1200" dirty="0"/>
+              <a:t>阶段，第三方库很少。</a:t>
+            </a:r>
+          </a:p>
+        </p:txBody>
+      </p:sp>
+    </p:spTree>
+    <p:extLst>
+      <p:ext uri="{BB962C8B-B14F-4D97-AF65-F5344CB8AC3E}">
+        <p14:creationId xmlns:p14="http://schemas.microsoft.com/office/powerpoint/2010/main" val="4287168988"/>
+      </p:ext>
+    </p:extLst>
+  </p:cSld>
+  <p:clrMapOvr>
+    <a:masterClrMapping/>
+  </p:clrMapOvr>
+  <mc:AlternateContent xmlns:mc="http://schemas.openxmlformats.org/markup-compatibility/2006" xmlns:p15="http://schemas.microsoft.com/office/powerpoint/2012/main">
+    <mc:Choice Requires="p15">
+      <p:transition xmlns:p14="http://schemas.microsoft.com/office/powerpoint/2010/main" spd="slow" p14:dur="2000">
+        <p15:prstTrans prst="fallOver"/>
+      </p:transition>
+    </mc:Choice>
+    <mc:Fallback xmlns="">
+      <p:transition spd="slow">
+        <p:fade/>
+      </p:transition>
+    </mc:Fallback>
+  </mc:AlternateContent>
+  <p:timing>
+    <p:tnLst>
+      <p:par>
+        <p:cTn id="1" dur="indefinite" restart="never" nodeType="tmRoot"/>
+      </p:par>
+    </p:tnLst>
+  </p:timing>
+</p:sld>
+</file>
+
+<file path=ppt/slides/slide12.xml><?xml version="1.0" encoding="utf-8"?>
+<p:sld xmlns:a="http://schemas.openxmlformats.org/drawingml/2006/main" xmlns:r="http://schemas.openxmlformats.org/officeDocument/2006/relationships" xmlns:p="http://schemas.openxmlformats.org/presentationml/2006/main">
+  <p:cSld>
+    <p:spTree>
+      <p:nvGrpSpPr>
+        <p:cNvPr id="1" name=""/>
+        <p:cNvGrpSpPr/>
+        <p:nvPr/>
+      </p:nvGrpSpPr>
+      <p:grpSpPr>
+        <a:xfrm>
+          <a:off x="0" y="0"/>
+          <a:ext cx="0" cy="0"/>
+          <a:chOff x="0" y="0"/>
+          <a:chExt cx="0" cy="0"/>
+        </a:xfrm>
+      </p:grpSpPr>
+      <p:sp>
+        <p:nvSpPr>
+          <p:cNvPr id="84" name="Title 1"/>
+          <p:cNvSpPr txBox="1">
+            <a:spLocks/>
+          </p:cNvSpPr>
+          <p:nvPr/>
+        </p:nvSpPr>
+        <p:spPr>
+          <a:xfrm>
+            <a:off x="533251" y="267494"/>
+            <a:ext cx="3606701" cy="379477"/>
+          </a:xfrm>
+          <a:prstGeom prst="rect">
+            <a:avLst/>
+          </a:prstGeom>
+        </p:spPr>
+        <p:txBody>
+          <a:bodyPr lIns="0" rIns="0" anchor="ctr">
+            <a:noAutofit/>
+          </a:bodyPr>
+          <a:lstStyle>
+            <a:lvl1pPr algn="ctr" defTabSz="914400" rtl="0" eaLnBrk="1" latinLnBrk="0" hangingPunct="1">
+              <a:spcBef>
+                <a:spcPct val="0"/>
+              </a:spcBef>
+              <a:buNone/>
+              <a:defRPr sz="3000" b="0" kern="1200">
+                <a:solidFill>
+                  <a:schemeClr val="accent1"/>
+                </a:solidFill>
+                <a:latin typeface="U.S. 101" pitchFamily="2" charset="0"/>
+                <a:ea typeface="Roboto" pitchFamily="2" charset="0"/>
+                <a:cs typeface="Open Sans Light" panose="020B0306030504020204" pitchFamily="34" charset="0"/>
+              </a:defRPr>
+            </a:lvl1pPr>
+          </a:lstStyle>
+          <a:p>
+            <a:pPr algn="l"/>
+            <a:r>
+              <a:rPr lang="zh-CN" altLang="en-US" sz="1800" dirty="0" smtClean="0">
+                <a:solidFill>
+                  <a:srgbClr val="333333"/>
+                </a:solidFill>
+                <a:latin typeface="+mn-lt"/>
+                <a:ea typeface="+mn-ea"/>
+                <a:cs typeface="+mn-ea"/>
+                <a:sym typeface="+mn-lt"/>
+              </a:rPr>
               <a:t>总结</a:t>
             </a:r>
             <a:endParaRPr lang="en-GB" altLang="zh-CN" sz="1800" dirty="0">
@@ -4157,15 +4682,15 @@
             </a:r>
             <a:r>
               <a:rPr lang="zh-CN" altLang="en-US" sz="1200" dirty="0"/>
-              <a:t>出现相对较晚，从目前官网介绍和</a:t>
-            </a:r>
-            <a:r>
-              <a:rPr lang="en-US" altLang="zh-CN" sz="1200" dirty="0"/>
-              <a:t>Beta</a:t>
-            </a:r>
-            <a:r>
-              <a:rPr lang="zh-CN" altLang="en-US" sz="1200" dirty="0"/>
-              <a:t>版测试可知性能和速度上更优秀，但使用</a:t>
+              <a:t>出现相对较晚，从目前官网</a:t>
+            </a:r>
+            <a:r>
+              <a:rPr lang="zh-CN" altLang="en-US" sz="1200" dirty="0" smtClean="0"/>
+              <a:t>介绍可知</a:t>
+            </a:r>
+            <a:r>
+              <a:rPr lang="zh-CN" altLang="en-US" sz="1200" dirty="0"/>
+              <a:t>性能和速度上更优秀，但使用</a:t>
             </a:r>
             <a:r>
               <a:rPr lang="en-US" altLang="zh-CN" sz="1200" dirty="0"/>
@@ -4216,7 +4741,7 @@
 </p:sld>
 </file>
 
-<file path=ppt/slides/slide12.xml><?xml version="1.0" encoding="utf-8"?>
+<file path=ppt/slides/slide13.xml><?xml version="1.0" encoding="utf-8"?>
 <p:sld xmlns:a="http://schemas.openxmlformats.org/drawingml/2006/main" xmlns:r="http://schemas.openxmlformats.org/officeDocument/2006/relationships" xmlns:p="http://schemas.openxmlformats.org/presentationml/2006/main">
   <p:cSld>
     <p:spTree>
@@ -4773,7 +5298,7 @@
           <p:cNvPr id="20" name="Freeform 12">
             <a:extLst>
               <a:ext uri="{FF2B5EF4-FFF2-40B4-BE49-F238E27FC236}">
-                <a16:creationId xmlns="" xmlns:a16="http://schemas.microsoft.com/office/drawing/2014/main" id="{59FD55C7-4BB7-4857-81C9-E6242BFC6CBA}"/>
+                <a16:creationId xmlns:a16="http://schemas.microsoft.com/office/drawing/2014/main" xmlns="" id="{59FD55C7-4BB7-4857-81C9-E6242BFC6CBA}"/>
               </a:ext>
             </a:extLst>
           </p:cNvPr>
@@ -4873,7 +5398,7 @@
           <p:cNvPr id="24" name="AutoShape 3">
             <a:extLst>
               <a:ext uri="{FF2B5EF4-FFF2-40B4-BE49-F238E27FC236}">
-                <a16:creationId xmlns="" xmlns:a16="http://schemas.microsoft.com/office/drawing/2014/main" id="{13D7405A-49B4-4877-B69E-B7DE207175B1}"/>
+                <a16:creationId xmlns:a16="http://schemas.microsoft.com/office/drawing/2014/main" xmlns="" id="{13D7405A-49B4-4877-B69E-B7DE207175B1}"/>
               </a:ext>
             </a:extLst>
           </p:cNvPr>
@@ -5329,7 +5854,7 @@
 </p:sld>
 </file>
 
-<file path=ppt/slides/slide13.xml><?xml version="1.0" encoding="utf-8"?>
+<file path=ppt/slides/slide14.xml><?xml version="1.0" encoding="utf-8"?>
 <p:sld xmlns:a="http://schemas.openxmlformats.org/drawingml/2006/main" xmlns:r="http://schemas.openxmlformats.org/officeDocument/2006/relationships" xmlns:p="http://schemas.openxmlformats.org/presentationml/2006/main">
   <p:cSld>
     <p:spTree>
@@ -5351,7 +5876,7 @@
           <p:cNvPr id="31" name="Title 1">
             <a:extLst>
               <a:ext uri="{FF2B5EF4-FFF2-40B4-BE49-F238E27FC236}">
-                <a16:creationId xmlns="" xmlns:a16="http://schemas.microsoft.com/office/drawing/2014/main" id="{FECF44E1-4997-4E58-954A-8198FB0DFE73}"/>
+                <a16:creationId xmlns:a16="http://schemas.microsoft.com/office/drawing/2014/main" xmlns="" id="{FECF44E1-4997-4E58-954A-8198FB0DFE73}"/>
               </a:ext>
             </a:extLst>
           </p:cNvPr>
@@ -5636,7 +6161,7 @@
 </p:sld>
 </file>
 
-<file path=ppt/slides/slide14.xml><?xml version="1.0" encoding="utf-8"?>
+<file path=ppt/slides/slide15.xml><?xml version="1.0" encoding="utf-8"?>
 <p:sld xmlns:a="http://schemas.openxmlformats.org/drawingml/2006/main" xmlns:r="http://schemas.openxmlformats.org/officeDocument/2006/relationships" xmlns:p="http://schemas.openxmlformats.org/presentationml/2006/main">
   <p:cSld>
     <p:spTree>
@@ -5658,7 +6183,7 @@
           <p:cNvPr id="31" name="Title 1">
             <a:extLst>
               <a:ext uri="{FF2B5EF4-FFF2-40B4-BE49-F238E27FC236}">
-                <a16:creationId xmlns="" xmlns:a16="http://schemas.microsoft.com/office/drawing/2014/main" id="{FECF44E1-4997-4E58-954A-8198FB0DFE73}"/>
+                <a16:creationId xmlns:a16="http://schemas.microsoft.com/office/drawing/2014/main" xmlns="" id="{FECF44E1-4997-4E58-954A-8198FB0DFE73}"/>
               </a:ext>
             </a:extLst>
           </p:cNvPr>
@@ -5811,7 +6336,7 @@
 </p:sld>
 </file>
 
-<file path=ppt/slides/slide15.xml><?xml version="1.0" encoding="utf-8"?>
+<file path=ppt/slides/slide16.xml><?xml version="1.0" encoding="utf-8"?>
 <p:sld xmlns:a="http://schemas.openxmlformats.org/drawingml/2006/main" xmlns:r="http://schemas.openxmlformats.org/officeDocument/2006/relationships" xmlns:p="http://schemas.openxmlformats.org/presentationml/2006/main">
   <p:cSld>
     <p:spTree>
@@ -6364,7 +6889,7 @@
           <p:cNvPr id="18" name="图片 17">
             <a:extLst>
               <a:ext uri="{FF2B5EF4-FFF2-40B4-BE49-F238E27FC236}">
-                <a16:creationId xmlns="" xmlns:a16="http://schemas.microsoft.com/office/drawing/2014/main" id="{F2DC9D7E-D7CA-436A-A2AC-4142D66FE9CE}"/>
+                <a16:creationId xmlns:a16="http://schemas.microsoft.com/office/drawing/2014/main" xmlns="" id="{F2DC9D7E-D7CA-436A-A2AC-4142D66FE9CE}"/>
               </a:ext>
             </a:extLst>
           </p:cNvPr>
@@ -6788,7 +7313,7 @@
           <p:cNvPr id="73" name="Group 3">
             <a:extLst>
               <a:ext uri="{FF2B5EF4-FFF2-40B4-BE49-F238E27FC236}">
-                <a16:creationId xmlns="" xmlns:a16="http://schemas.microsoft.com/office/drawing/2014/main" id="{E10B7770-8876-4A38-AD20-0DD26B1AD6B5}"/>
+                <a16:creationId xmlns:a16="http://schemas.microsoft.com/office/drawing/2014/main" xmlns="" id="{E10B7770-8876-4A38-AD20-0DD26B1AD6B5}"/>
               </a:ext>
             </a:extLst>
           </p:cNvPr>
@@ -6808,7 +7333,7 @@
             <p:cNvPr id="74" name="Rectangle: Rounded Corners 4">
               <a:extLst>
                 <a:ext uri="{FF2B5EF4-FFF2-40B4-BE49-F238E27FC236}">
-                  <a16:creationId xmlns="" xmlns:a16="http://schemas.microsoft.com/office/drawing/2014/main" id="{D3CBECCD-B8E3-4623-93C8-5462801FD353}"/>
+                  <a16:creationId xmlns:a16="http://schemas.microsoft.com/office/drawing/2014/main" xmlns="" id="{D3CBECCD-B8E3-4623-93C8-5462801FD353}"/>
                 </a:ext>
               </a:extLst>
             </p:cNvPr>
@@ -6864,7 +7389,7 @@
             <p:cNvPr id="76" name="TextBox 6">
               <a:extLst>
                 <a:ext uri="{FF2B5EF4-FFF2-40B4-BE49-F238E27FC236}">
-                  <a16:creationId xmlns="" xmlns:a16="http://schemas.microsoft.com/office/drawing/2014/main" id="{2ADBFD5E-CA01-476B-8790-9E087D5A3B72}"/>
+                  <a16:creationId xmlns:a16="http://schemas.microsoft.com/office/drawing/2014/main" xmlns="" id="{2ADBFD5E-CA01-476B-8790-9E087D5A3B72}"/>
                 </a:ext>
               </a:extLst>
             </p:cNvPr>
@@ -6913,7 +7438,7 @@
           <p:cNvPr id="78" name="Group 8">
             <a:extLst>
               <a:ext uri="{FF2B5EF4-FFF2-40B4-BE49-F238E27FC236}">
-                <a16:creationId xmlns="" xmlns:a16="http://schemas.microsoft.com/office/drawing/2014/main" id="{55173EEF-ECF7-406A-BEFA-3CE5320BBAB1}"/>
+                <a16:creationId xmlns:a16="http://schemas.microsoft.com/office/drawing/2014/main" xmlns="" id="{55173EEF-ECF7-406A-BEFA-3CE5320BBAB1}"/>
               </a:ext>
             </a:extLst>
           </p:cNvPr>
@@ -6933,7 +7458,7 @@
             <p:cNvPr id="79" name="Rectangle: Rounded Corners 9">
               <a:extLst>
                 <a:ext uri="{FF2B5EF4-FFF2-40B4-BE49-F238E27FC236}">
-                  <a16:creationId xmlns="" xmlns:a16="http://schemas.microsoft.com/office/drawing/2014/main" id="{842C7EAE-3771-48D9-BA58-EE138F8A4BDF}"/>
+                  <a16:creationId xmlns:a16="http://schemas.microsoft.com/office/drawing/2014/main" xmlns="" id="{842C7EAE-3771-48D9-BA58-EE138F8A4BDF}"/>
                 </a:ext>
               </a:extLst>
             </p:cNvPr>
@@ -6989,7 +7514,7 @@
             <p:cNvPr id="81" name="TextBox 11">
               <a:extLst>
                 <a:ext uri="{FF2B5EF4-FFF2-40B4-BE49-F238E27FC236}">
-                  <a16:creationId xmlns="" xmlns:a16="http://schemas.microsoft.com/office/drawing/2014/main" id="{A2E9BF74-EC42-4A67-BB9D-7C700A0FBAAF}"/>
+                  <a16:creationId xmlns:a16="http://schemas.microsoft.com/office/drawing/2014/main" xmlns="" id="{A2E9BF74-EC42-4A67-BB9D-7C700A0FBAAF}"/>
                 </a:ext>
               </a:extLst>
             </p:cNvPr>
@@ -7048,7 +7573,7 @@
           <p:cNvPr id="26" name="矩形 25">
             <a:extLst>
               <a:ext uri="{FF2B5EF4-FFF2-40B4-BE49-F238E27FC236}">
-                <a16:creationId xmlns="" xmlns:a16="http://schemas.microsoft.com/office/drawing/2014/main" id="{549794EE-0848-45C5-8B1B-57F0F339E92C}"/>
+                <a16:creationId xmlns:a16="http://schemas.microsoft.com/office/drawing/2014/main" xmlns="" id="{549794EE-0848-45C5-8B1B-57F0F339E92C}"/>
               </a:ext>
             </a:extLst>
           </p:cNvPr>
@@ -7092,7 +7617,7 @@
           <p:cNvPr id="27" name="矩形 26">
             <a:extLst>
               <a:ext uri="{FF2B5EF4-FFF2-40B4-BE49-F238E27FC236}">
-                <a16:creationId xmlns="" xmlns:a16="http://schemas.microsoft.com/office/drawing/2014/main" id="{D884DD69-5FE6-4F40-B3CB-C128E886ED10}"/>
+                <a16:creationId xmlns:a16="http://schemas.microsoft.com/office/drawing/2014/main" xmlns="" id="{D884DD69-5FE6-4F40-B3CB-C128E886ED10}"/>
               </a:ext>
             </a:extLst>
           </p:cNvPr>
@@ -7205,8 +7730,8 @@
       </p:transition>
     </mc:Fallback>
   </mc:AlternateContent>
-  <mc:AlternateContent xmlns:mc="http://schemas.openxmlformats.org/markup-compatibility/2006">
-    <mc:Choice xmlns:p14="http://schemas.microsoft.com/office/powerpoint/2010/main" Requires="p14">
+  <mc:AlternateContent xmlns:mc="http://schemas.openxmlformats.org/markup-compatibility/2006" xmlns:p14="http://schemas.microsoft.com/office/powerpoint/2010/main">
+    <mc:Choice Requires="p14">
       <p:timing>
         <p:tnLst>
           <p:par>
@@ -7676,7 +8201,7 @@
         </p:bldLst>
       </p:timing>
     </mc:Choice>
-    <mc:Fallback>
+    <mc:Fallback xmlns="">
       <p:timing>
         <p:tnLst>
           <p:par>
@@ -8707,7 +9232,7 @@
           <p:cNvPr id="24" name="Freeform 12">
             <a:extLst>
               <a:ext uri="{FF2B5EF4-FFF2-40B4-BE49-F238E27FC236}">
-                <a16:creationId xmlns="" xmlns:a16="http://schemas.microsoft.com/office/drawing/2014/main" id="{59FD55C7-4BB7-4857-81C9-E6242BFC6CBA}"/>
+                <a16:creationId xmlns:a16="http://schemas.microsoft.com/office/drawing/2014/main" xmlns="" id="{59FD55C7-4BB7-4857-81C9-E6242BFC6CBA}"/>
               </a:ext>
             </a:extLst>
           </p:cNvPr>
@@ -8807,7 +9332,7 @@
           <p:cNvPr id="26" name="AutoShape 3">
             <a:extLst>
               <a:ext uri="{FF2B5EF4-FFF2-40B4-BE49-F238E27FC236}">
-                <a16:creationId xmlns="" xmlns:a16="http://schemas.microsoft.com/office/drawing/2014/main" id="{13D7405A-49B4-4877-B69E-B7DE207175B1}"/>
+                <a16:creationId xmlns:a16="http://schemas.microsoft.com/office/drawing/2014/main" xmlns="" id="{13D7405A-49B4-4877-B69E-B7DE207175B1}"/>
               </a:ext>
             </a:extLst>
           </p:cNvPr>
@@ -9285,7 +9810,7 @@
           <p:cNvPr id="21" name="Title 1">
             <a:extLst>
               <a:ext uri="{FF2B5EF4-FFF2-40B4-BE49-F238E27FC236}">
-                <a16:creationId xmlns="" xmlns:a16="http://schemas.microsoft.com/office/drawing/2014/main" id="{576F514B-AB1B-4B9F-BFB3-A6914E1D8E06}"/>
+                <a16:creationId xmlns:a16="http://schemas.microsoft.com/office/drawing/2014/main" xmlns="" id="{576F514B-AB1B-4B9F-BFB3-A6914E1D8E06}"/>
               </a:ext>
             </a:extLst>
           </p:cNvPr>
@@ -11403,7 +11928,7 @@
         </p:nvSpPr>
         <p:spPr>
           <a:xfrm>
-            <a:off x="1044021" y="1942605"/>
+            <a:off x="1058212" y="3435846"/>
             <a:ext cx="6624736" cy="1015663"/>
           </a:xfrm>
           <a:prstGeom prst="rect">
@@ -11574,14 +12099,14 @@
       </p:sp>
       <p:sp>
         <p:nvSpPr>
-          <p:cNvPr id="5" name="文本框 4"/>
+          <p:cNvPr id="6" name="文本框 5"/>
           <p:cNvSpPr txBox="1"/>
           <p:nvPr/>
         </p:nvSpPr>
         <p:spPr>
           <a:xfrm>
-            <a:off x="1043608" y="3003798"/>
-            <a:ext cx="6624736" cy="1569660"/>
+            <a:off x="1045771" y="1991062"/>
+            <a:ext cx="6624736" cy="1384995"/>
           </a:xfrm>
           <a:prstGeom prst="rect">
             <a:avLst/>
@@ -11596,7 +12121,7 @@
           <a:p>
             <a:r>
               <a:rPr lang="en-US" altLang="zh-CN" sz="1200" b="1" dirty="0" smtClean="0"/>
-              <a:t>Flutter</a:t>
+              <a:t>Ionic</a:t>
             </a:r>
             <a:r>
               <a:rPr lang="zh-CN" altLang="en-US" sz="1200" b="1" dirty="0" smtClean="0"/>
@@ -11608,152 +12133,130 @@
             </a:r>
             <a:r>
               <a:rPr lang="en-US" altLang="zh-CN" sz="1200" dirty="0"/>
-              <a:t>Flutter</a:t>
-            </a:r>
-            <a:r>
-              <a:rPr lang="zh-CN" altLang="en-US" sz="1200" dirty="0"/>
-              <a:t>是谷歌的移动</a:t>
-            </a:r>
-            <a:r>
-              <a:rPr lang="en-US" altLang="zh-CN" sz="1200" dirty="0"/>
-              <a:t>UI</a:t>
-            </a:r>
-            <a:r>
-              <a:rPr lang="zh-CN" altLang="en-US" sz="1200" dirty="0"/>
-              <a:t>框架</a:t>
-            </a:r>
-            <a:r>
-              <a:rPr lang="zh-CN" altLang="en-US" sz="1200" baseline="30000" dirty="0"/>
-              <a:t> </a:t>
-            </a:r>
-            <a:r>
-              <a:rPr lang="zh-CN" altLang="en-US" sz="1200" dirty="0"/>
-              <a:t> ，可以快速在</a:t>
-            </a:r>
-            <a:r>
-              <a:rPr lang="en-US" altLang="zh-CN" sz="1200" dirty="0"/>
-              <a:t>iOS</a:t>
-            </a:r>
-            <a:r>
-              <a:rPr lang="zh-CN" altLang="en-US" sz="1200" dirty="0"/>
-              <a:t>和</a:t>
-            </a:r>
-            <a:r>
-              <a:rPr lang="en-US" altLang="zh-CN" sz="1200" dirty="0"/>
-              <a:t>Android</a:t>
-            </a:r>
-            <a:r>
-              <a:rPr lang="zh-CN" altLang="en-US" sz="1200" dirty="0"/>
-              <a:t>上构建高质量的原生用户</a:t>
+              <a:t>Ionic</a:t>
+            </a:r>
+            <a:r>
+              <a:rPr lang="zh-CN" altLang="en-US" sz="1200" dirty="0"/>
+              <a:t>是一个开源的移动应用程序开发框架</a:t>
             </a:r>
             <a:r>
               <a:rPr lang="zh-CN" altLang="en-US" sz="1200" dirty="0" smtClean="0"/>
-              <a:t>界面</a:t>
+              <a:t>，使用</a:t>
+            </a:r>
+            <a:r>
+              <a:rPr lang="en-US" altLang="zh-CN" sz="1200" dirty="0" err="1" smtClean="0"/>
+              <a:t>cordova</a:t>
+            </a:r>
+            <a:r>
+              <a:rPr lang="zh-CN" altLang="en-US" sz="1200" dirty="0" smtClean="0"/>
+              <a:t>打包分布，它</a:t>
+            </a:r>
+            <a:r>
+              <a:rPr lang="zh-CN" altLang="en-US" sz="1200" dirty="0"/>
+              <a:t>可以轻松地使用</a:t>
+            </a:r>
+            <a:r>
+              <a:rPr lang="en-US" altLang="zh-CN" sz="1200" dirty="0"/>
+              <a:t>web</a:t>
+            </a:r>
+            <a:r>
+              <a:rPr lang="zh-CN" altLang="en-US" sz="1200" dirty="0"/>
+              <a:t>技术构建高质量的跨平台的移动应用。可以让我们快速开发移动</a:t>
+            </a:r>
+            <a:r>
+              <a:rPr lang="en-US" altLang="zh-CN" sz="1200" dirty="0"/>
+              <a:t>App</a:t>
+            </a:r>
+            <a:r>
+              <a:rPr lang="zh-CN" altLang="en-US" sz="1200" dirty="0"/>
+              <a:t>、移动端</a:t>
+            </a:r>
+            <a:r>
+              <a:rPr lang="en-US" altLang="zh-CN" sz="1200" dirty="0"/>
+              <a:t>WEB</a:t>
+            </a:r>
+            <a:r>
+              <a:rPr lang="zh-CN" altLang="en-US" sz="1200" dirty="0"/>
+              <a:t>页面、微信公众平台应用，混合</a:t>
+            </a:r>
+            <a:r>
+              <a:rPr lang="en-US" altLang="zh-CN" sz="1200" dirty="0"/>
+              <a:t>app web</a:t>
+            </a:r>
+            <a:r>
+              <a:rPr lang="zh-CN" altLang="en-US" sz="1200" dirty="0"/>
+              <a:t>页面</a:t>
+            </a:r>
+            <a:r>
+              <a:rPr lang="zh-CN" altLang="en-US" sz="1200" dirty="0" smtClean="0"/>
+              <a:t>。</a:t>
             </a:r>
             <a:r>
               <a:rPr lang="en-US" altLang="zh-CN" sz="1200" dirty="0" smtClean="0"/>
-              <a:t>, </a:t>
-            </a:r>
-            <a:r>
-              <a:rPr lang="zh-CN" altLang="en-US" sz="1200" dirty="0" smtClean="0"/>
-              <a:t>在</a:t>
-            </a:r>
-            <a:r>
-              <a:rPr lang="zh-CN" altLang="en-US" sz="1200" dirty="0"/>
-              <a:t>全世界，</a:t>
-            </a:r>
-            <a:r>
-              <a:rPr lang="en-US" altLang="zh-CN" sz="1200" dirty="0"/>
-              <a:t>Flutter</a:t>
-            </a:r>
-            <a:r>
-              <a:rPr lang="zh-CN" altLang="en-US" sz="1200" dirty="0"/>
-              <a:t>正在被越来越多的开发者和组织使用，并且</a:t>
-            </a:r>
-            <a:r>
-              <a:rPr lang="en-US" altLang="zh-CN" sz="1200" dirty="0"/>
-              <a:t>Flutter</a:t>
-            </a:r>
-            <a:r>
-              <a:rPr lang="zh-CN" altLang="en-US" sz="1200" dirty="0"/>
-              <a:t>是完全免费、开源的。它也是构建未来的</a:t>
-            </a:r>
-            <a:r>
-              <a:rPr lang="en-US" altLang="zh-CN" sz="1200" dirty="0"/>
-              <a:t>Google Fuchsia</a:t>
-            </a:r>
-            <a:r>
-              <a:rPr lang="zh-CN" altLang="en-US" sz="1200" dirty="0"/>
-              <a:t>应用的主要方式。</a:t>
+              <a:t>Ionic4</a:t>
+            </a:r>
+            <a:r>
+              <a:rPr lang="zh-CN" altLang="en-US" sz="1200" dirty="0"/>
+              <a:t>目前已经发布了基于</a:t>
+            </a:r>
+            <a:r>
+              <a:rPr lang="en-US" altLang="zh-CN" sz="1200" dirty="0"/>
+              <a:t>Angular</a:t>
+            </a:r>
+            <a:r>
+              <a:rPr lang="zh-CN" altLang="en-US" sz="1200" dirty="0"/>
+              <a:t>的正式版本，对 </a:t>
+            </a:r>
+            <a:r>
+              <a:rPr lang="en-US" altLang="zh-CN" sz="1200" dirty="0"/>
+              <a:t>React </a:t>
+            </a:r>
+            <a:r>
+              <a:rPr lang="zh-CN" altLang="en-US" sz="1200" dirty="0"/>
+              <a:t>和 </a:t>
+            </a:r>
+            <a:r>
+              <a:rPr lang="en-US" altLang="zh-CN" sz="1200" dirty="0" err="1"/>
+              <a:t>Vue</a:t>
+            </a:r>
+            <a:r>
+              <a:rPr lang="en-US" altLang="zh-CN" sz="1200" dirty="0"/>
+              <a:t> </a:t>
+            </a:r>
+            <a:r>
+              <a:rPr lang="zh-CN" altLang="en-US" sz="1200" dirty="0"/>
+              <a:t>的支持尚处于 </a:t>
+            </a:r>
+            <a:r>
+              <a:rPr lang="en-US" altLang="zh-CN" sz="1200" dirty="0"/>
+              <a:t>alpha </a:t>
+            </a:r>
+            <a:r>
+              <a:rPr lang="zh-CN" altLang="en-US" sz="1200" dirty="0"/>
+              <a:t>状态，未来我们可以用自己喜欢的语言结合</a:t>
+            </a:r>
+            <a:r>
+              <a:rPr lang="en-US" altLang="zh-CN" sz="1200" dirty="0"/>
+              <a:t>Ionic</a:t>
+            </a:r>
+            <a:r>
+              <a:rPr lang="zh-CN" altLang="en-US" sz="1200" dirty="0"/>
+              <a:t>来开发移动端应用。</a:t>
             </a:r>
           </a:p>
           <a:p>
             <a:r>
-              <a:rPr lang="en-US" altLang="zh-CN" sz="1200" dirty="0"/>
-              <a:t>Flutter</a:t>
-            </a:r>
-            <a:r>
-              <a:rPr lang="zh-CN" altLang="en-US" sz="1200" dirty="0"/>
-              <a:t>组件采用现代响应式框架构建，这是从</a:t>
-            </a:r>
+              <a:rPr lang="zh-CN" altLang="en-US" sz="1200" dirty="0" smtClean="0"/>
+              <a:t>。</a:t>
+            </a:r>
+            <a:endParaRPr lang="zh-CN" altLang="en-US" sz="1200" dirty="0"/>
+          </a:p>
+          <a:p>
             <a:r>
               <a:rPr lang="en-US" altLang="zh-CN" sz="1200" dirty="0">
                 <a:hlinkClick r:id="rId5"/>
               </a:rPr>
-              <a:t>React</a:t>
-            </a:r>
-            <a:r>
-              <a:rPr lang="zh-CN" altLang="en-US" sz="1200" dirty="0"/>
-              <a:t>中获得的灵感，中心思想是用组件</a:t>
-            </a:r>
-            <a:r>
-              <a:rPr lang="en-US" altLang="zh-CN" sz="1200" dirty="0"/>
-              <a:t>(widget)</a:t>
-            </a:r>
-            <a:r>
-              <a:rPr lang="zh-CN" altLang="en-US" sz="1200" dirty="0"/>
-              <a:t>构建你的</a:t>
-            </a:r>
-            <a:r>
-              <a:rPr lang="en-US" altLang="zh-CN" sz="1200" dirty="0"/>
-              <a:t>UI</a:t>
-            </a:r>
-            <a:r>
-              <a:rPr lang="zh-CN" altLang="en-US" sz="1200" dirty="0"/>
-              <a:t>。 组件描述了在给定其当前配置和状态时他们显示的样子。当组件状态改变，组件会重构它的描述</a:t>
-            </a:r>
-            <a:r>
-              <a:rPr lang="en-US" altLang="zh-CN" sz="1200" dirty="0"/>
-              <a:t>(description)</a:t>
-            </a:r>
-            <a:r>
-              <a:rPr lang="zh-CN" altLang="en-US" sz="1200" dirty="0"/>
-              <a:t>，</a:t>
-            </a:r>
-            <a:r>
-              <a:rPr lang="en-US" altLang="zh-CN" sz="1200" dirty="0"/>
-              <a:t>Flutter</a:t>
-            </a:r>
-            <a:r>
-              <a:rPr lang="zh-CN" altLang="en-US" sz="1200" dirty="0"/>
-              <a:t>会对比之前的描述， 以确定底层渲染树从当前状态转换到下一个状态所需要的最小更改</a:t>
-            </a:r>
-            <a:r>
-              <a:rPr lang="zh-CN" altLang="en-US" sz="1200" dirty="0" smtClean="0"/>
-              <a:t>。</a:t>
-            </a:r>
-            <a:r>
-              <a:rPr lang="zh-CN" altLang="en-US" sz="1200" dirty="0"/>
-              <a:t/>
-            </a:r>
-            <a:br>
-              <a:rPr lang="zh-CN" altLang="en-US" sz="1200" dirty="0"/>
-            </a:br>
-            <a:r>
-              <a:rPr lang="en-US" altLang="zh-CN" sz="1200" dirty="0">
-                <a:hlinkClick r:id="rId6"/>
-              </a:rPr>
-              <a:t>https://flutterchina.club/</a:t>
+              <a:t>https://ionicframework.com/</a:t>
             </a:r>
             <a:endParaRPr lang="zh-CN" altLang="en-US" sz="1200" dirty="0"/>
           </a:p>
@@ -11762,20 +12265,20 @@
     </p:spTree>
     <p:extLst>
       <p:ext uri="{BB962C8B-B14F-4D97-AF65-F5344CB8AC3E}">
-        <p14:creationId xmlns:p14="http://schemas.microsoft.com/office/powerpoint/2010/main" val="572729672"/>
+        <p14:creationId xmlns:p14="http://schemas.microsoft.com/office/powerpoint/2010/main" val="1376127179"/>
       </p:ext>
     </p:extLst>
   </p:cSld>
   <p:clrMapOvr>
     <a:masterClrMapping/>
   </p:clrMapOvr>
-  <mc:AlternateContent xmlns:mc="http://schemas.openxmlformats.org/markup-compatibility/2006" xmlns:p15="http://schemas.microsoft.com/office/powerpoint/2012/main">
-    <mc:Choice Requires="p15">
+  <mc:AlternateContent xmlns:mc="http://schemas.openxmlformats.org/markup-compatibility/2006">
+    <mc:Choice xmlns:p15="http://schemas.microsoft.com/office/powerpoint/2012/main" Requires="p15">
       <p:transition xmlns:p14="http://schemas.microsoft.com/office/powerpoint/2010/main" spd="slow" p14:dur="2000">
         <p15:prstTrans prst="fallOver"/>
       </p:transition>
     </mc:Choice>
-    <mc:Fallback xmlns="">
+    <mc:Fallback>
       <p:transition spd="slow">
         <p:fade/>
       </p:transition>
@@ -11857,7 +12360,7 @@
                 <a:cs typeface="+mn-ea"/>
                 <a:sym typeface="+mn-lt"/>
               </a:rPr>
-              <a:t>跨平台技术对比</a:t>
+              <a:t>跨平台开发技术介绍</a:t>
             </a:r>
             <a:endParaRPr lang="en-GB" altLang="zh-CN" sz="1800" dirty="0">
               <a:solidFill>
@@ -11873,14 +12376,14 @@
       </p:sp>
       <p:sp>
         <p:nvSpPr>
-          <p:cNvPr id="85" name="文本框 84"/>
+          <p:cNvPr id="5" name="文本框 4"/>
           <p:cNvSpPr txBox="1"/>
           <p:nvPr/>
         </p:nvSpPr>
         <p:spPr>
           <a:xfrm>
-            <a:off x="827584" y="771550"/>
-            <a:ext cx="6624736" cy="1754326"/>
+            <a:off x="1115616" y="987574"/>
+            <a:ext cx="6624736" cy="1569660"/>
           </a:xfrm>
           <a:prstGeom prst="rect">
             <a:avLst/>
@@ -11895,49 +12398,123 @@
           <a:p>
             <a:r>
               <a:rPr lang="en-US" altLang="zh-CN" sz="1200" b="1" dirty="0" smtClean="0"/>
-              <a:t>Cordova</a:t>
-            </a:r>
-            <a:endParaRPr lang="en-US" altLang="zh-CN" sz="1200" b="1" dirty="0"/>
+              <a:t>Flutter</a:t>
+            </a:r>
+            <a:r>
+              <a:rPr lang="zh-CN" altLang="en-US" sz="1200" b="1" dirty="0" smtClean="0"/>
+              <a:t>介绍</a:t>
+            </a:r>
+            <a:r>
+              <a:rPr lang="en-US" altLang="zh-CN" sz="1200" b="1" dirty="0" smtClean="0"/>
+              <a:t>: </a:t>
+            </a:r>
+            <a:r>
+              <a:rPr lang="en-US" altLang="zh-CN" sz="1200" dirty="0"/>
+              <a:t>Flutter</a:t>
+            </a:r>
+            <a:r>
+              <a:rPr lang="zh-CN" altLang="en-US" sz="1200" dirty="0"/>
+              <a:t>是谷歌的移动</a:t>
+            </a:r>
+            <a:r>
+              <a:rPr lang="en-US" altLang="zh-CN" sz="1200" dirty="0"/>
+              <a:t>UI</a:t>
+            </a:r>
+            <a:r>
+              <a:rPr lang="zh-CN" altLang="en-US" sz="1200" dirty="0"/>
+              <a:t>框架</a:t>
+            </a:r>
+            <a:r>
+              <a:rPr lang="zh-CN" altLang="en-US" sz="1200" baseline="30000" dirty="0"/>
+              <a:t> </a:t>
+            </a:r>
+            <a:r>
+              <a:rPr lang="zh-CN" altLang="en-US" sz="1200" dirty="0"/>
+              <a:t> ，可以快速在</a:t>
+            </a:r>
+            <a:r>
+              <a:rPr lang="en-US" altLang="zh-CN" sz="1200" dirty="0"/>
+              <a:t>iOS</a:t>
+            </a:r>
+            <a:r>
+              <a:rPr lang="zh-CN" altLang="en-US" sz="1200" dirty="0"/>
+              <a:t>和</a:t>
+            </a:r>
+            <a:r>
+              <a:rPr lang="en-US" altLang="zh-CN" sz="1200" dirty="0"/>
+              <a:t>Android</a:t>
+            </a:r>
+            <a:r>
+              <a:rPr lang="zh-CN" altLang="en-US" sz="1200" dirty="0"/>
+              <a:t>上构建高质量的原生用户</a:t>
+            </a:r>
+            <a:r>
+              <a:rPr lang="zh-CN" altLang="en-US" sz="1200" dirty="0" smtClean="0"/>
+              <a:t>界面</a:t>
+            </a:r>
+            <a:r>
+              <a:rPr lang="en-US" altLang="zh-CN" sz="1200" dirty="0" smtClean="0"/>
+              <a:t>, </a:t>
+            </a:r>
+            <a:r>
+              <a:rPr lang="zh-CN" altLang="en-US" sz="1200" dirty="0" smtClean="0"/>
+              <a:t>在</a:t>
+            </a:r>
+            <a:r>
+              <a:rPr lang="zh-CN" altLang="en-US" sz="1200" dirty="0"/>
+              <a:t>全世界，</a:t>
+            </a:r>
+            <a:r>
+              <a:rPr lang="en-US" altLang="zh-CN" sz="1200" dirty="0"/>
+              <a:t>Flutter</a:t>
+            </a:r>
+            <a:r>
+              <a:rPr lang="zh-CN" altLang="en-US" sz="1200" dirty="0"/>
+              <a:t>正在被越来越多的开发者和组织使用，并且</a:t>
+            </a:r>
+            <a:r>
+              <a:rPr lang="en-US" altLang="zh-CN" sz="1200" dirty="0"/>
+              <a:t>Flutter</a:t>
+            </a:r>
+            <a:r>
+              <a:rPr lang="zh-CN" altLang="en-US" sz="1200" dirty="0"/>
+              <a:t>是完全免费、开源的。它也是构建未来的</a:t>
+            </a:r>
+            <a:r>
+              <a:rPr lang="en-US" altLang="zh-CN" sz="1200" dirty="0"/>
+              <a:t>Google Fuchsia</a:t>
+            </a:r>
+            <a:r>
+              <a:rPr lang="zh-CN" altLang="en-US" sz="1200" dirty="0"/>
+              <a:t>应用的主要方式。</a:t>
+            </a:r>
           </a:p>
           <a:p>
             <a:r>
-              <a:rPr lang="zh-CN" altLang="en-US" sz="1200" b="1" dirty="0"/>
-              <a:t>优势：</a:t>
-            </a:r>
-            <a:endParaRPr lang="zh-CN" altLang="en-US" sz="1200" dirty="0"/>
-          </a:p>
-          <a:p>
-            <a:r>
-              <a:rPr lang="en-US" altLang="zh-CN" sz="1200" dirty="0"/>
-              <a:t>iOS</a:t>
-            </a:r>
-            <a:r>
-              <a:rPr lang="zh-CN" altLang="en-US" sz="1200" dirty="0"/>
-              <a:t>和</a:t>
-            </a:r>
-            <a:r>
-              <a:rPr lang="en-US" altLang="zh-CN" sz="1200" dirty="0"/>
-              <a:t>Android</a:t>
-            </a:r>
-            <a:r>
-              <a:rPr lang="zh-CN" altLang="en-US" sz="1200" dirty="0"/>
-              <a:t>基本上可以共用代码，纯</a:t>
-            </a:r>
-            <a:r>
-              <a:rPr lang="en-US" altLang="zh-CN" sz="1200" dirty="0"/>
-              <a:t>web</a:t>
-            </a:r>
-            <a:r>
-              <a:rPr lang="zh-CN" altLang="en-US" sz="1200" dirty="0"/>
-              <a:t>思维，开发速度快， 简单方便，一次编码，到处运行。如果熟悉</a:t>
-            </a:r>
-            <a:r>
-              <a:rPr lang="en-US" altLang="zh-CN" sz="1200" dirty="0"/>
-              <a:t>web</a:t>
-            </a:r>
-            <a:r>
-              <a:rPr lang="zh-CN" altLang="en-US" sz="1200" dirty="0"/>
-              <a:t>开发，文档很全， 系统级支持封装较好，所有</a:t>
+              <a:rPr lang="en-US" altLang="zh-CN" sz="1200" dirty="0"/>
+              <a:t>Flutter</a:t>
+            </a:r>
+            <a:r>
+              <a:rPr lang="zh-CN" altLang="en-US" sz="1200" dirty="0"/>
+              <a:t>组件采用现代响应式框架构建，这是从</a:t>
+            </a:r>
+            <a:r>
+              <a:rPr lang="en-US" altLang="zh-CN" sz="1200" dirty="0">
+                <a:hlinkClick r:id="rId3"/>
+              </a:rPr>
+              <a:t>React</a:t>
+            </a:r>
+            <a:r>
+              <a:rPr lang="zh-CN" altLang="en-US" sz="1200" dirty="0"/>
+              <a:t>中获得的灵感，中心思想是用组件</a:t>
+            </a:r>
+            <a:r>
+              <a:rPr lang="en-US" altLang="zh-CN" sz="1200" dirty="0"/>
+              <a:t>(widget)</a:t>
+            </a:r>
+            <a:r>
+              <a:rPr lang="zh-CN" altLang="en-US" sz="1200" dirty="0"/>
+              <a:t>构建你的</a:t>
             </a:r>
             <a:r>
               <a:rPr lang="en-US" altLang="zh-CN" sz="1200" dirty="0"/>
@@ -11945,227 +12522,23 @@
             </a:r>
             <a:r>
               <a:rPr lang="zh-CN" altLang="en-US" sz="1200" dirty="0"/>
-              <a:t>组件都是有</a:t>
-            </a:r>
-            <a:r>
-              <a:rPr lang="en-US" altLang="zh-CN" sz="1200" dirty="0"/>
-              <a:t>html</a:t>
-            </a:r>
-            <a:r>
-              <a:rPr lang="zh-CN" altLang="en-US" sz="1200" dirty="0"/>
-              <a:t>模拟，可以统一 使用</a:t>
-            </a:r>
-            <a:r>
-              <a:rPr lang="zh-CN" altLang="en-US" sz="1200" dirty="0" smtClean="0"/>
-              <a:t>。可</a:t>
-            </a:r>
-            <a:r>
-              <a:rPr lang="zh-CN" altLang="en-US" sz="1200" dirty="0"/>
-              <a:t>实现在线更新，允许动态加载</a:t>
-            </a:r>
-            <a:r>
-              <a:rPr lang="en-US" altLang="zh-CN" sz="1200" dirty="0"/>
-              <a:t>web </a:t>
-            </a:r>
-            <a:r>
-              <a:rPr lang="en-US" altLang="zh-CN" sz="1200" dirty="0" err="1" smtClean="0"/>
-              <a:t>js</a:t>
+              <a:t>。 组件描述了在给定其当前配置和状态时他们显示的样子。当组件状态改变，组件会重构它的描述</a:t>
+            </a:r>
+            <a:r>
+              <a:rPr lang="en-US" altLang="zh-CN" sz="1200" dirty="0"/>
+              <a:t>(description)</a:t>
             </a:r>
             <a:r>
               <a:rPr lang="zh-CN" altLang="en-US" sz="1200" dirty="0"/>
               <a:t>，</a:t>
             </a:r>
             <a:r>
-              <a:rPr lang="zh-CN" altLang="en-US" sz="1200" dirty="0" smtClean="0"/>
-              <a:t>文档</a:t>
-            </a:r>
-            <a:r>
-              <a:rPr lang="zh-CN" altLang="en-US" sz="1200" dirty="0"/>
-              <a:t>多，开发者多，遇到问题容易解决，技术成熟</a:t>
-            </a:r>
-          </a:p>
-          <a:p>
-            <a:r>
-              <a:rPr lang="zh-CN" altLang="en-US" sz="1200" b="1" dirty="0"/>
-              <a:t>劣势：</a:t>
-            </a:r>
-            <a:endParaRPr lang="zh-CN" altLang="en-US" sz="1200" dirty="0"/>
-          </a:p>
-          <a:p>
-            <a:r>
-              <a:rPr lang="zh-CN" altLang="en-US" sz="1200" dirty="0"/>
-              <a:t>占用内存高一些，不适合做游戏类型</a:t>
-            </a:r>
-            <a:r>
-              <a:rPr lang="en-US" altLang="zh-CN" sz="1200" dirty="0"/>
-              <a:t>app, web</a:t>
-            </a:r>
-            <a:r>
-              <a:rPr lang="zh-CN" altLang="en-US" sz="1200" dirty="0"/>
-              <a:t>技术午无法解决一 切问题，对于比较耗能的地方无法利用</a:t>
-            </a:r>
-            <a:r>
-              <a:rPr lang="en-US" altLang="zh-CN" sz="1200" dirty="0"/>
-              <a:t>native</a:t>
-            </a:r>
-            <a:r>
-              <a:rPr lang="zh-CN" altLang="en-US" sz="1200" dirty="0"/>
-              <a:t>的思维实现优势互 补，如高体验的交互，动画等。</a:t>
-            </a:r>
-          </a:p>
-        </p:txBody>
-      </p:sp>
-      <p:sp>
-        <p:nvSpPr>
-          <p:cNvPr id="4" name="文本框 3"/>
-          <p:cNvSpPr txBox="1"/>
-          <p:nvPr/>
-        </p:nvSpPr>
-        <p:spPr>
-          <a:xfrm>
-            <a:off x="827584" y="2599040"/>
-            <a:ext cx="6624736" cy="1938992"/>
-          </a:xfrm>
-          <a:prstGeom prst="rect">
-            <a:avLst/>
-          </a:prstGeom>
-          <a:noFill/>
-        </p:spPr>
-        <p:txBody>
-          <a:bodyPr wrap="square" rtlCol="0">
-            <a:spAutoFit/>
-          </a:bodyPr>
-          <a:lstStyle/>
-          <a:p>
-            <a:r>
-              <a:rPr lang="en-US" altLang="zh-CN" sz="1200" b="1" dirty="0"/>
-              <a:t>React Native</a:t>
-            </a:r>
-          </a:p>
-          <a:p>
-            <a:r>
-              <a:rPr lang="zh-CN" altLang="en-US" sz="1200" b="1" dirty="0"/>
-              <a:t>优势：</a:t>
-            </a:r>
-            <a:endParaRPr lang="zh-CN" altLang="en-US" sz="1200" dirty="0"/>
-          </a:p>
-          <a:p>
-            <a:r>
-              <a:rPr lang="zh-CN" altLang="en-US" sz="1200" dirty="0"/>
-              <a:t>虽然不能做到一次编码到处运行，但是基本上即使是两套代码， 也是相同的</a:t>
-            </a:r>
-            <a:r>
-              <a:rPr lang="en-US" altLang="zh-CN" sz="1200" dirty="0" err="1"/>
-              <a:t>jsx</a:t>
-            </a:r>
-            <a:r>
-              <a:rPr lang="zh-CN" altLang="en-US" sz="1200" dirty="0"/>
-              <a:t>语法， 使用</a:t>
-            </a:r>
-            <a:r>
-              <a:rPr lang="en-US" altLang="zh-CN" sz="1200" dirty="0" err="1"/>
-              <a:t>js</a:t>
-            </a:r>
-            <a:r>
-              <a:rPr lang="zh-CN" altLang="en-US" sz="1200" dirty="0"/>
-              <a:t>进行开发。用户体验高于</a:t>
-            </a:r>
-            <a:r>
-              <a:rPr lang="en-US" altLang="zh-CN" sz="1200" dirty="0"/>
-              <a:t>html</a:t>
-            </a:r>
-            <a:r>
-              <a:rPr lang="zh-CN" altLang="en-US" sz="1200" dirty="0"/>
-              <a:t>， 开发效率较高</a:t>
-            </a:r>
-          </a:p>
-          <a:p>
-            <a:r>
-              <a:rPr lang="en-US" altLang="zh-CN" sz="1200" dirty="0" err="1"/>
-              <a:t>Flexbox</a:t>
-            </a:r>
-            <a:r>
-              <a:rPr lang="zh-CN" altLang="en-US" sz="1200" dirty="0"/>
-              <a:t>布局据说比</a:t>
-            </a:r>
-            <a:r>
-              <a:rPr lang="en-US" altLang="zh-CN" sz="1200" dirty="0"/>
-              <a:t>native</a:t>
-            </a:r>
-            <a:r>
-              <a:rPr lang="zh-CN" altLang="en-US" sz="1200" dirty="0"/>
-              <a:t>的自适应布局更加简单</a:t>
-            </a:r>
-            <a:r>
-              <a:rPr lang="zh-CN" altLang="en-US" sz="1200" dirty="0" smtClean="0"/>
-              <a:t>高效，更</a:t>
-            </a:r>
-            <a:r>
-              <a:rPr lang="zh-CN" altLang="en-US" sz="1200" dirty="0"/>
-              <a:t>贴近于原生开发</a:t>
-            </a:r>
-          </a:p>
-          <a:p>
-            <a:r>
-              <a:rPr lang="zh-CN" altLang="en-US" sz="1200" b="1" dirty="0"/>
-              <a:t>劣势</a:t>
-            </a:r>
-            <a:r>
-              <a:rPr lang="zh-CN" altLang="en-US" sz="1200" dirty="0"/>
-              <a:t>：</a:t>
-            </a:r>
-          </a:p>
-          <a:p>
-            <a:r>
-              <a:rPr lang="zh-CN" altLang="en-US" sz="1200" dirty="0"/>
-              <a:t>对开发人员要求较高，不是懂点</a:t>
-            </a:r>
-            <a:r>
-              <a:rPr lang="en-US" altLang="zh-CN" sz="1200" dirty="0"/>
-              <a:t>web</a:t>
-            </a:r>
-            <a:r>
-              <a:rPr lang="zh-CN" altLang="en-US" sz="1200" dirty="0"/>
-              <a:t>技术就行的，当官方封装的 控件、</a:t>
-            </a:r>
-            <a:r>
-              <a:rPr lang="en-US" altLang="zh-CN" sz="1200" dirty="0"/>
-              <a:t>API</a:t>
-            </a:r>
-            <a:r>
-              <a:rPr lang="zh-CN" altLang="en-US" sz="1200" dirty="0"/>
-              <a:t>无法满足需 求时就必然需要懂一些</a:t>
-            </a:r>
-            <a:r>
-              <a:rPr lang="en-US" altLang="zh-CN" sz="1200" dirty="0"/>
-              <a:t>native</a:t>
-            </a:r>
-            <a:r>
-              <a:rPr lang="zh-CN" altLang="en-US" sz="1200" dirty="0"/>
-              <a:t>的东西</a:t>
-            </a:r>
-            <a:r>
-              <a:rPr lang="zh-CN" altLang="en-US" sz="1200" dirty="0" smtClean="0"/>
-              <a:t>去扩展。</a:t>
-            </a:r>
-            <a:endParaRPr lang="zh-CN" altLang="en-US" sz="1200" dirty="0"/>
-          </a:p>
-          <a:p>
-            <a:r>
-              <a:rPr lang="zh-CN" altLang="en-US" sz="1200" dirty="0"/>
-              <a:t>官方说的很隐晦：</a:t>
-            </a:r>
-            <a:r>
-              <a:rPr lang="en-US" altLang="zh-CN" sz="1200" dirty="0"/>
-              <a:t>learn once</a:t>
-            </a:r>
-            <a:r>
-              <a:rPr lang="zh-CN" altLang="en-US" sz="1200" dirty="0"/>
-              <a:t>， </a:t>
-            </a:r>
-            <a:r>
-              <a:rPr lang="en-US" altLang="zh-CN" sz="1200" dirty="0"/>
-              <a:t>write anywhere</a:t>
+              <a:rPr lang="en-US" altLang="zh-CN" sz="1200" dirty="0"/>
+              <a:t>Flutter</a:t>
+            </a:r>
+            <a:r>
+              <a:rPr lang="zh-CN" altLang="en-US" sz="1200" dirty="0"/>
+              <a:t>会对比之前的描述， 以确定底层渲染树从当前状态转换到下一个状态所需要的最小更改</a:t>
             </a:r>
             <a:r>
               <a:rPr lang="zh-CN" altLang="en-US" sz="1200" dirty="0" smtClean="0"/>
@@ -12173,35 +12546,25 @@
             </a:r>
             <a:r>
               <a:rPr lang="zh-CN" altLang="en-US" sz="1200" dirty="0"/>
-              <a:t>不是</a:t>
-            </a:r>
-            <a:r>
-              <a:rPr lang="en-US" altLang="zh-CN" sz="1200" dirty="0" smtClean="0"/>
-              <a:t>run </a:t>
-            </a:r>
-            <a:r>
-              <a:rPr lang="en-US" altLang="zh-CN" sz="1200" dirty="0" err="1"/>
-              <a:t>anwhere</a:t>
-            </a:r>
-            <a:r>
-              <a:rPr lang="zh-CN" altLang="en-US" sz="1200" dirty="0"/>
-              <a:t>。就是针对不同</a:t>
-            </a:r>
-            <a:r>
-              <a:rPr lang="zh-CN" altLang="en-US" sz="1200" dirty="0" smtClean="0"/>
-              <a:t>的平台</a:t>
-            </a:r>
-            <a:r>
-              <a:rPr lang="zh-CN" altLang="en-US" sz="1200" dirty="0"/>
-              <a:t>需要些多套代码。</a:t>
-            </a:r>
+              <a:t/>
+            </a:r>
+            <a:br>
+              <a:rPr lang="zh-CN" altLang="en-US" sz="1200" dirty="0"/>
+            </a:br>
+            <a:r>
+              <a:rPr lang="en-US" altLang="zh-CN" sz="1200" dirty="0">
+                <a:hlinkClick r:id="rId4"/>
+              </a:rPr>
+              <a:t>https://flutterchina.club/</a:t>
+            </a:r>
+            <a:endParaRPr lang="zh-CN" altLang="en-US" sz="1200" dirty="0"/>
           </a:p>
         </p:txBody>
       </p:sp>
     </p:spTree>
     <p:extLst>
       <p:ext uri="{BB962C8B-B14F-4D97-AF65-F5344CB8AC3E}">
-        <p14:creationId xmlns:p14="http://schemas.microsoft.com/office/powerpoint/2010/main" val="1844906785"/>
+        <p14:creationId xmlns:p14="http://schemas.microsoft.com/office/powerpoint/2010/main" val="572729672"/>
       </p:ext>
     </p:extLst>
   </p:cSld>
